--- a/Presentation_ppt_updated_040522.pptx
+++ b/Presentation_ppt_updated_040522.pptx
@@ -7,19 +7,20 @@
   <p:sldIdLst>
     <p:sldId id="256" r:id="rId2"/>
     <p:sldId id="257" r:id="rId3"/>
-    <p:sldId id="258" r:id="rId4"/>
-    <p:sldId id="271" r:id="rId5"/>
-    <p:sldId id="270" r:id="rId6"/>
-    <p:sldId id="259" r:id="rId7"/>
-    <p:sldId id="260" r:id="rId8"/>
-    <p:sldId id="261" r:id="rId9"/>
-    <p:sldId id="262" r:id="rId10"/>
-    <p:sldId id="263" r:id="rId11"/>
-    <p:sldId id="265" r:id="rId12"/>
-    <p:sldId id="266" r:id="rId13"/>
-    <p:sldId id="267" r:id="rId14"/>
-    <p:sldId id="268" r:id="rId15"/>
-    <p:sldId id="269" r:id="rId16"/>
+    <p:sldId id="272" r:id="rId4"/>
+    <p:sldId id="258" r:id="rId5"/>
+    <p:sldId id="271" r:id="rId6"/>
+    <p:sldId id="270" r:id="rId7"/>
+    <p:sldId id="259" r:id="rId8"/>
+    <p:sldId id="260" r:id="rId9"/>
+    <p:sldId id="261" r:id="rId10"/>
+    <p:sldId id="262" r:id="rId11"/>
+    <p:sldId id="263" r:id="rId12"/>
+    <p:sldId id="265" r:id="rId13"/>
+    <p:sldId id="266" r:id="rId14"/>
+    <p:sldId id="267" r:id="rId15"/>
+    <p:sldId id="268" r:id="rId16"/>
+    <p:sldId id="269" r:id="rId17"/>
   </p:sldIdLst>
   <p:sldSz cx="12192000" cy="6858000"/>
   <p:notesSz cx="6858000" cy="9144000"/>
@@ -3513,12 +3514,43 @@
           <a:chExt cx="0" cy="0"/>
         </a:xfrm>
       </p:grpSpPr>
+      <p:sp>
+        <p:nvSpPr>
+          <p:cNvPr id="2" name="Title 1">
+            <a:extLst>
+              <a:ext uri="{FF2B5EF4-FFF2-40B4-BE49-F238E27FC236}">
+                <a16:creationId xmlns:a16="http://schemas.microsoft.com/office/drawing/2014/main" id="{63DAEC9D-DDC5-1D93-CB4F-FE2D1C9BECAA}"/>
+              </a:ext>
+            </a:extLst>
+          </p:cNvPr>
+          <p:cNvSpPr>
+            <a:spLocks noGrp="1"/>
+          </p:cNvSpPr>
+          <p:nvPr>
+            <p:ph type="title"/>
+          </p:nvPr>
+        </p:nvSpPr>
+        <p:spPr/>
+        <p:txBody>
+          <a:bodyPr>
+            <a:normAutofit/>
+          </a:bodyPr>
+          <a:lstStyle/>
+          <a:p>
+            <a:r>
+              <a:rPr lang="en-US" sz="4000" b="1" dirty="0"/>
+              <a:t>Job Vacancies by State</a:t>
+            </a:r>
+            <a:endParaRPr lang="en-AU" sz="4000" b="1" dirty="0"/>
+          </a:p>
+        </p:txBody>
+      </p:sp>
       <p:pic>
         <p:nvPicPr>
-          <p:cNvPr id="7" name="Picture 6">
-            <a:extLst>
-              <a:ext uri="{FF2B5EF4-FFF2-40B4-BE49-F238E27FC236}">
-                <a16:creationId xmlns:a16="http://schemas.microsoft.com/office/drawing/2014/main" id="{6BCE5F0F-32FA-93EF-94D3-EA4EC4E157CB}"/>
+          <p:cNvPr id="4" name="Picture 3">
+            <a:extLst>
+              <a:ext uri="{FF2B5EF4-FFF2-40B4-BE49-F238E27FC236}">
+                <a16:creationId xmlns:a16="http://schemas.microsoft.com/office/drawing/2014/main" id="{C6A452C2-6575-24B7-3F18-AAD0D2974E5F}"/>
               </a:ext>
             </a:extLst>
           </p:cNvPr>
@@ -3541,56 +3573,20 @@
         </p:blipFill>
         <p:spPr>
           <a:xfrm>
-            <a:off x="0" y="340180"/>
-            <a:ext cx="6609437" cy="3304719"/>
+            <a:off x="2548696" y="2393396"/>
+            <a:ext cx="6696904" cy="4464604"/>
           </a:xfrm>
           <a:prstGeom prst="rect">
             <a:avLst/>
           </a:prstGeom>
         </p:spPr>
       </p:pic>
-      <p:pic>
-        <p:nvPicPr>
-          <p:cNvPr id="10" name="Picture 9">
-            <a:extLst>
-              <a:ext uri="{FF2B5EF4-FFF2-40B4-BE49-F238E27FC236}">
-                <a16:creationId xmlns:a16="http://schemas.microsoft.com/office/drawing/2014/main" id="{43DA495D-2A56-4DAA-ED0A-675734BE2664}"/>
-              </a:ext>
-            </a:extLst>
-          </p:cNvPr>
-          <p:cNvPicPr>
-            <a:picLocks noChangeAspect="1"/>
-          </p:cNvPicPr>
-          <p:nvPr/>
-        </p:nvPicPr>
-        <p:blipFill>
-          <a:blip r:embed="rId3">
-            <a:extLst>
-              <a:ext uri="{28A0092B-C50C-407E-A947-70E740481C1C}">
-                <a14:useLocalDpi xmlns:a14="http://schemas.microsoft.com/office/drawing/2010/main" val="0"/>
-              </a:ext>
-            </a:extLst>
-          </a:blip>
-          <a:stretch>
-            <a:fillRect/>
-          </a:stretch>
-        </p:blipFill>
-        <p:spPr>
-          <a:xfrm>
-            <a:off x="6833287" y="101600"/>
-            <a:ext cx="5485714" cy="3657143"/>
-          </a:xfrm>
-          <a:prstGeom prst="rect">
-            <a:avLst/>
-          </a:prstGeom>
-        </p:spPr>
-      </p:pic>
-      <p:sp>
-        <p:nvSpPr>
-          <p:cNvPr id="14" name="TextBox 13">
-            <a:extLst>
-              <a:ext uri="{FF2B5EF4-FFF2-40B4-BE49-F238E27FC236}">
-                <a16:creationId xmlns:a16="http://schemas.microsoft.com/office/drawing/2014/main" id="{6F941A53-CAEA-0363-DE61-7CEBE0E24148}"/>
+      <p:sp>
+        <p:nvSpPr>
+          <p:cNvPr id="6" name="TextBox 5">
+            <a:extLst>
+              <a:ext uri="{FF2B5EF4-FFF2-40B4-BE49-F238E27FC236}">
+                <a16:creationId xmlns:a16="http://schemas.microsoft.com/office/drawing/2014/main" id="{4582FBEA-AD41-5DD8-3D79-9B83861E069E}"/>
               </a:ext>
             </a:extLst>
           </p:cNvPr>
@@ -3599,8 +3595,8 @@
         </p:nvSpPr>
         <p:spPr>
           <a:xfrm>
-            <a:off x="958850" y="4363135"/>
-            <a:ext cx="6159500" cy="646331"/>
+            <a:off x="838200" y="1394555"/>
+            <a:ext cx="10515600" cy="1077218"/>
           </a:xfrm>
           <a:prstGeom prst="rect">
             <a:avLst/>
@@ -3608,30 +3604,62 @@
           <a:noFill/>
         </p:spPr>
         <p:txBody>
-          <a:bodyPr wrap="square">
+          <a:bodyPr wrap="square" rtlCol="0">
             <a:spAutoFit/>
           </a:bodyPr>
           <a:lstStyle/>
           <a:p>
             <a:r>
-              <a:rPr lang="en-US" dirty="0"/>
-              <a:t>*****Insert info for the Top &amp; bottom 5 industries – Avg </a:t>
-            </a:r>
-            <a:r>
-              <a:rPr lang="en-US" dirty="0" err="1"/>
-              <a:t>wkly</a:t>
-            </a:r>
-            <a:r>
-              <a:rPr lang="en-US" dirty="0"/>
-              <a:t> Earning</a:t>
-            </a:r>
+              <a:rPr lang="en-US" sz="1600" dirty="0"/>
+              <a:t>Data compiled by the </a:t>
+            </a:r>
+            <a:r>
+              <a:rPr lang="en-US" sz="1600" b="1" dirty="0"/>
+              <a:t>National Skills Commission </a:t>
+            </a:r>
+            <a:r>
+              <a:rPr lang="en-US" sz="1600" dirty="0"/>
+              <a:t>through job boards such as Seek, CareerOne and Australian </a:t>
+            </a:r>
+            <a:r>
+              <a:rPr lang="en-US" sz="1600" dirty="0" err="1"/>
+              <a:t>JobSearch</a:t>
+            </a:r>
+            <a:r>
+              <a:rPr lang="en-US" sz="1600" dirty="0"/>
+              <a:t> </a:t>
+            </a:r>
+            <a:r>
+              <a:rPr lang="en-US" sz="1600" i="1" dirty="0"/>
+              <a:t>(</a:t>
+            </a:r>
+            <a:r>
+              <a:rPr lang="en-US" sz="1600" i="1" dirty="0">
+                <a:hlinkClick r:id="rId3"/>
+              </a:rPr>
+              <a:t>https://labourmarketinsights.gov.au/our-research/internet-vacancy-index/#3</a:t>
+            </a:r>
+            <a:r>
+              <a:rPr lang="en-US" sz="1600" i="1" dirty="0"/>
+              <a:t>)</a:t>
+            </a:r>
+          </a:p>
+          <a:p>
+            <a:endParaRPr lang="en-US" sz="1600" i="1" dirty="0"/>
+          </a:p>
+          <a:p>
+            <a:r>
+              <a:rPr lang="en-US" sz="1600" dirty="0"/>
+              <a:t>Comparing the total vacancies between 2019 vs 2021, Western Australia had a growth of 59%.</a:t>
+            </a:r>
+            <a:endParaRPr lang="en-AU" sz="1600" dirty="0"/>
           </a:p>
         </p:txBody>
       </p:sp>
     </p:spTree>
     <p:extLst>
       <p:ext uri="{BB962C8B-B14F-4D97-AF65-F5344CB8AC3E}">
-        <p14:creationId xmlns:p14="http://schemas.microsoft.com/office/powerpoint/2010/main" val="929465799"/>
+        <p14:creationId xmlns:p14="http://schemas.microsoft.com/office/powerpoint/2010/main" val="589642860"/>
       </p:ext>
     </p:extLst>
   </p:cSld>
@@ -3658,41 +3686,12 @@
           <a:chExt cx="0" cy="0"/>
         </a:xfrm>
       </p:grpSpPr>
-      <p:sp>
-        <p:nvSpPr>
-          <p:cNvPr id="2" name="Title 1">
-            <a:extLst>
-              <a:ext uri="{FF2B5EF4-FFF2-40B4-BE49-F238E27FC236}">
-                <a16:creationId xmlns:a16="http://schemas.microsoft.com/office/drawing/2014/main" id="{739BCF23-592F-1AF8-5151-B47C9886D918}"/>
-              </a:ext>
-            </a:extLst>
-          </p:cNvPr>
-          <p:cNvSpPr>
-            <a:spLocks noGrp="1"/>
-          </p:cNvSpPr>
-          <p:nvPr>
-            <p:ph type="title"/>
-          </p:nvPr>
-        </p:nvSpPr>
-        <p:spPr/>
-        <p:txBody>
-          <a:bodyPr/>
-          <a:lstStyle/>
-          <a:p>
-            <a:r>
-              <a:rPr lang="en-US" dirty="0"/>
-              <a:t>WA boarder policy </a:t>
-            </a:r>
-            <a:endParaRPr lang="en-AU" dirty="0"/>
-          </a:p>
-        </p:txBody>
-      </p:sp>
       <p:pic>
         <p:nvPicPr>
-          <p:cNvPr id="8" name="Picture 7">
-            <a:extLst>
-              <a:ext uri="{FF2B5EF4-FFF2-40B4-BE49-F238E27FC236}">
-                <a16:creationId xmlns:a16="http://schemas.microsoft.com/office/drawing/2014/main" id="{A2EF1139-C5BE-3286-C881-D5FFC1439650}"/>
+          <p:cNvPr id="7" name="Picture 6">
+            <a:extLst>
+              <a:ext uri="{FF2B5EF4-FFF2-40B4-BE49-F238E27FC236}">
+                <a16:creationId xmlns:a16="http://schemas.microsoft.com/office/drawing/2014/main" id="{6BCE5F0F-32FA-93EF-94D3-EA4EC4E157CB}"/>
               </a:ext>
             </a:extLst>
           </p:cNvPr>
@@ -3715,18 +3714,97 @@
         </p:blipFill>
         <p:spPr>
           <a:xfrm>
-            <a:off x="725106" y="1446235"/>
-            <a:ext cx="8773160" cy="3965529"/>
+            <a:off x="0" y="340180"/>
+            <a:ext cx="6609437" cy="3304719"/>
           </a:xfrm>
           <a:prstGeom prst="rect">
             <a:avLst/>
           </a:prstGeom>
         </p:spPr>
       </p:pic>
+      <p:pic>
+        <p:nvPicPr>
+          <p:cNvPr id="10" name="Picture 9">
+            <a:extLst>
+              <a:ext uri="{FF2B5EF4-FFF2-40B4-BE49-F238E27FC236}">
+                <a16:creationId xmlns:a16="http://schemas.microsoft.com/office/drawing/2014/main" id="{43DA495D-2A56-4DAA-ED0A-675734BE2664}"/>
+              </a:ext>
+            </a:extLst>
+          </p:cNvPr>
+          <p:cNvPicPr>
+            <a:picLocks noChangeAspect="1"/>
+          </p:cNvPicPr>
+          <p:nvPr/>
+        </p:nvPicPr>
+        <p:blipFill>
+          <a:blip r:embed="rId3">
+            <a:extLst>
+              <a:ext uri="{28A0092B-C50C-407E-A947-70E740481C1C}">
+                <a14:useLocalDpi xmlns:a14="http://schemas.microsoft.com/office/drawing/2010/main" val="0"/>
+              </a:ext>
+            </a:extLst>
+          </a:blip>
+          <a:stretch>
+            <a:fillRect/>
+          </a:stretch>
+        </p:blipFill>
+        <p:spPr>
+          <a:xfrm>
+            <a:off x="6833287" y="101600"/>
+            <a:ext cx="5485714" cy="3657143"/>
+          </a:xfrm>
+          <a:prstGeom prst="rect">
+            <a:avLst/>
+          </a:prstGeom>
+        </p:spPr>
+      </p:pic>
+      <p:sp>
+        <p:nvSpPr>
+          <p:cNvPr id="14" name="TextBox 13">
+            <a:extLst>
+              <a:ext uri="{FF2B5EF4-FFF2-40B4-BE49-F238E27FC236}">
+                <a16:creationId xmlns:a16="http://schemas.microsoft.com/office/drawing/2014/main" id="{6F941A53-CAEA-0363-DE61-7CEBE0E24148}"/>
+              </a:ext>
+            </a:extLst>
+          </p:cNvPr>
+          <p:cNvSpPr txBox="1"/>
+          <p:nvPr/>
+        </p:nvSpPr>
+        <p:spPr>
+          <a:xfrm>
+            <a:off x="958850" y="4363135"/>
+            <a:ext cx="6159500" cy="646331"/>
+          </a:xfrm>
+          <a:prstGeom prst="rect">
+            <a:avLst/>
+          </a:prstGeom>
+          <a:noFill/>
+        </p:spPr>
+        <p:txBody>
+          <a:bodyPr wrap="square">
+            <a:spAutoFit/>
+          </a:bodyPr>
+          <a:lstStyle/>
+          <a:p>
+            <a:r>
+              <a:rPr lang="en-US" dirty="0"/>
+              <a:t>*****Insert info for the Top &amp; bottom 5 industries – Avg </a:t>
+            </a:r>
+            <a:r>
+              <a:rPr lang="en-US" dirty="0" err="1"/>
+              <a:t>wkly</a:t>
+            </a:r>
+            <a:r>
+              <a:rPr lang="en-US" dirty="0"/>
+              <a:t> Earning</a:t>
+            </a:r>
+          </a:p>
+        </p:txBody>
+      </p:sp>
     </p:spTree>
     <p:extLst>
       <p:ext uri="{BB962C8B-B14F-4D97-AF65-F5344CB8AC3E}">
-        <p14:creationId xmlns:p14="http://schemas.microsoft.com/office/powerpoint/2010/main" val="1347613156"/>
+        <p14:creationId xmlns:p14="http://schemas.microsoft.com/office/powerpoint/2010/main" val="929465799"/>
       </p:ext>
     </p:extLst>
   </p:cSld>
@@ -3758,7 +3836,7 @@
           <p:cNvPr id="2" name="Title 1">
             <a:extLst>
               <a:ext uri="{FF2B5EF4-FFF2-40B4-BE49-F238E27FC236}">
-                <a16:creationId xmlns:a16="http://schemas.microsoft.com/office/drawing/2014/main" id="{A24800EE-88FD-1E33-FC33-1A0C102730E6}"/>
+                <a16:creationId xmlns:a16="http://schemas.microsoft.com/office/drawing/2014/main" id="{739BCF23-592F-1AF8-5151-B47C9886D918}"/>
               </a:ext>
             </a:extLst>
           </p:cNvPr>
@@ -3776,47 +3854,52 @@
           <a:p>
             <a:r>
               <a:rPr lang="en-US" dirty="0"/>
-              <a:t>NSW / VIC boarder open date??</a:t>
+              <a:t>WA boarder policy </a:t>
             </a:r>
             <a:endParaRPr lang="en-AU" dirty="0"/>
           </a:p>
         </p:txBody>
       </p:sp>
-      <p:sp>
-        <p:nvSpPr>
-          <p:cNvPr id="3" name="Content Placeholder 2">
-            <a:extLst>
-              <a:ext uri="{FF2B5EF4-FFF2-40B4-BE49-F238E27FC236}">
-                <a16:creationId xmlns:a16="http://schemas.microsoft.com/office/drawing/2014/main" id="{058E70FC-85ED-CB5A-E07C-D7B5DDC58AD9}"/>
-              </a:ext>
-            </a:extLst>
-          </p:cNvPr>
-          <p:cNvSpPr>
-            <a:spLocks noGrp="1"/>
-          </p:cNvSpPr>
-          <p:nvPr>
-            <p:ph idx="1"/>
-          </p:nvPr>
-        </p:nvSpPr>
-        <p:spPr/>
-        <p:txBody>
-          <a:bodyPr/>
-          <a:lstStyle/>
-          <a:p>
-            <a:r>
-              <a:rPr lang="en-US" dirty="0"/>
-              <a:t>Employment / Unemployment post the boarder open</a:t>
-            </a:r>
-          </a:p>
-          <a:p>
-            <a:endParaRPr lang="en-AU" dirty="0"/>
-          </a:p>
-        </p:txBody>
-      </p:sp>
+      <p:pic>
+        <p:nvPicPr>
+          <p:cNvPr id="8" name="Picture 7">
+            <a:extLst>
+              <a:ext uri="{FF2B5EF4-FFF2-40B4-BE49-F238E27FC236}">
+                <a16:creationId xmlns:a16="http://schemas.microsoft.com/office/drawing/2014/main" id="{A2EF1139-C5BE-3286-C881-D5FFC1439650}"/>
+              </a:ext>
+            </a:extLst>
+          </p:cNvPr>
+          <p:cNvPicPr>
+            <a:picLocks noChangeAspect="1"/>
+          </p:cNvPicPr>
+          <p:nvPr/>
+        </p:nvPicPr>
+        <p:blipFill>
+          <a:blip r:embed="rId2">
+            <a:extLst>
+              <a:ext uri="{28A0092B-C50C-407E-A947-70E740481C1C}">
+                <a14:useLocalDpi xmlns:a14="http://schemas.microsoft.com/office/drawing/2010/main" val="0"/>
+              </a:ext>
+            </a:extLst>
+          </a:blip>
+          <a:stretch>
+            <a:fillRect/>
+          </a:stretch>
+        </p:blipFill>
+        <p:spPr>
+          <a:xfrm>
+            <a:off x="725106" y="1446235"/>
+            <a:ext cx="8773160" cy="3965529"/>
+          </a:xfrm>
+          <a:prstGeom prst="rect">
+            <a:avLst/>
+          </a:prstGeom>
+        </p:spPr>
+      </p:pic>
     </p:spTree>
     <p:extLst>
       <p:ext uri="{BB962C8B-B14F-4D97-AF65-F5344CB8AC3E}">
-        <p14:creationId xmlns:p14="http://schemas.microsoft.com/office/powerpoint/2010/main" val="3673393155"/>
+        <p14:creationId xmlns:p14="http://schemas.microsoft.com/office/powerpoint/2010/main" val="1347613156"/>
       </p:ext>
     </p:extLst>
   </p:cSld>
@@ -3848,7 +3931,7 @@
           <p:cNvPr id="2" name="Title 1">
             <a:extLst>
               <a:ext uri="{FF2B5EF4-FFF2-40B4-BE49-F238E27FC236}">
-                <a16:creationId xmlns:a16="http://schemas.microsoft.com/office/drawing/2014/main" id="{641FF69F-D9B2-0601-68FD-C6C28F35A8E5}"/>
+                <a16:creationId xmlns:a16="http://schemas.microsoft.com/office/drawing/2014/main" id="{A24800EE-88FD-1E33-FC33-1A0C102730E6}"/>
               </a:ext>
             </a:extLst>
           </p:cNvPr>
@@ -3865,50 +3948,48 @@
           <a:lstStyle/>
           <a:p>
             <a:r>
-              <a:rPr lang="en-AU" dirty="0"/>
-              <a:t>Australia (need to separate FT/PT, top5 and </a:t>
-            </a:r>
-            <a:r>
-              <a:rPr lang="en-AU" dirty="0" err="1"/>
-              <a:t>bo</a:t>
+              <a:rPr lang="en-US" dirty="0"/>
+              <a:t>NSW / VIC boarder open date??</a:t>
             </a:r>
             <a:endParaRPr lang="en-AU" dirty="0"/>
           </a:p>
         </p:txBody>
       </p:sp>
-      <p:pic>
-        <p:nvPicPr>
-          <p:cNvPr id="5" name="Content Placeholder 4">
-            <a:extLst>
-              <a:ext uri="{FF2B5EF4-FFF2-40B4-BE49-F238E27FC236}">
-                <a16:creationId xmlns:a16="http://schemas.microsoft.com/office/drawing/2014/main" id="{F6359867-06FF-6B9F-7291-82E512191442}"/>
-              </a:ext>
-            </a:extLst>
-          </p:cNvPr>
-          <p:cNvPicPr>
-            <a:picLocks noGrp="1" noChangeAspect="1"/>
-          </p:cNvPicPr>
+      <p:sp>
+        <p:nvSpPr>
+          <p:cNvPr id="3" name="Content Placeholder 2">
+            <a:extLst>
+              <a:ext uri="{FF2B5EF4-FFF2-40B4-BE49-F238E27FC236}">
+                <a16:creationId xmlns:a16="http://schemas.microsoft.com/office/drawing/2014/main" id="{058E70FC-85ED-CB5A-E07C-D7B5DDC58AD9}"/>
+              </a:ext>
+            </a:extLst>
+          </p:cNvPr>
+          <p:cNvSpPr>
+            <a:spLocks noGrp="1"/>
+          </p:cNvSpPr>
           <p:nvPr>
             <p:ph idx="1"/>
           </p:nvPr>
-        </p:nvPicPr>
-        <p:blipFill>
-          <a:blip r:embed="rId2"/>
-          <a:stretch>
-            <a:fillRect/>
-          </a:stretch>
-        </p:blipFill>
-        <p:spPr>
-          <a:xfrm>
-            <a:off x="1636080" y="1825625"/>
-            <a:ext cx="8919840" cy="4351338"/>
-          </a:xfrm>
-        </p:spPr>
-      </p:pic>
+        </p:nvSpPr>
+        <p:spPr/>
+        <p:txBody>
+          <a:bodyPr/>
+          <a:lstStyle/>
+          <a:p>
+            <a:r>
+              <a:rPr lang="en-US" dirty="0"/>
+              <a:t>Employment / Unemployment post the boarder open</a:t>
+            </a:r>
+          </a:p>
+          <a:p>
+            <a:endParaRPr lang="en-AU" dirty="0"/>
+          </a:p>
+        </p:txBody>
+      </p:sp>
     </p:spTree>
     <p:extLst>
       <p:ext uri="{BB962C8B-B14F-4D97-AF65-F5344CB8AC3E}">
-        <p14:creationId xmlns:p14="http://schemas.microsoft.com/office/powerpoint/2010/main" val="922974028"/>
+        <p14:creationId xmlns:p14="http://schemas.microsoft.com/office/powerpoint/2010/main" val="3673393155"/>
       </p:ext>
     </p:extLst>
   </p:cSld>
@@ -3940,6 +4021,98 @@
           <p:cNvPr id="2" name="Title 1">
             <a:extLst>
               <a:ext uri="{FF2B5EF4-FFF2-40B4-BE49-F238E27FC236}">
+                <a16:creationId xmlns:a16="http://schemas.microsoft.com/office/drawing/2014/main" id="{641FF69F-D9B2-0601-68FD-C6C28F35A8E5}"/>
+              </a:ext>
+            </a:extLst>
+          </p:cNvPr>
+          <p:cNvSpPr>
+            <a:spLocks noGrp="1"/>
+          </p:cNvSpPr>
+          <p:nvPr>
+            <p:ph type="title"/>
+          </p:nvPr>
+        </p:nvSpPr>
+        <p:spPr/>
+        <p:txBody>
+          <a:bodyPr/>
+          <a:lstStyle/>
+          <a:p>
+            <a:r>
+              <a:rPr lang="en-AU" dirty="0"/>
+              <a:t>Australia (need to separate FT/PT, top5 and </a:t>
+            </a:r>
+            <a:r>
+              <a:rPr lang="en-AU" dirty="0" err="1"/>
+              <a:t>bo</a:t>
+            </a:r>
+            <a:endParaRPr lang="en-AU" dirty="0"/>
+          </a:p>
+        </p:txBody>
+      </p:sp>
+      <p:pic>
+        <p:nvPicPr>
+          <p:cNvPr id="5" name="Content Placeholder 4">
+            <a:extLst>
+              <a:ext uri="{FF2B5EF4-FFF2-40B4-BE49-F238E27FC236}">
+                <a16:creationId xmlns:a16="http://schemas.microsoft.com/office/drawing/2014/main" id="{F6359867-06FF-6B9F-7291-82E512191442}"/>
+              </a:ext>
+            </a:extLst>
+          </p:cNvPr>
+          <p:cNvPicPr>
+            <a:picLocks noGrp="1" noChangeAspect="1"/>
+          </p:cNvPicPr>
+          <p:nvPr>
+            <p:ph idx="1"/>
+          </p:nvPr>
+        </p:nvPicPr>
+        <p:blipFill>
+          <a:blip r:embed="rId2"/>
+          <a:stretch>
+            <a:fillRect/>
+          </a:stretch>
+        </p:blipFill>
+        <p:spPr>
+          <a:xfrm>
+            <a:off x="1636080" y="1825625"/>
+            <a:ext cx="8919840" cy="4351338"/>
+          </a:xfrm>
+        </p:spPr>
+      </p:pic>
+    </p:spTree>
+    <p:extLst>
+      <p:ext uri="{BB962C8B-B14F-4D97-AF65-F5344CB8AC3E}">
+        <p14:creationId xmlns:p14="http://schemas.microsoft.com/office/powerpoint/2010/main" val="922974028"/>
+      </p:ext>
+    </p:extLst>
+  </p:cSld>
+  <p:clrMapOvr>
+    <a:masterClrMapping/>
+  </p:clrMapOvr>
+</p:sld>
+</file>
+
+<file path=ppt/slides/slide15.xml><?xml version="1.0" encoding="utf-8"?>
+<p:sld xmlns:a="http://schemas.openxmlformats.org/drawingml/2006/main" xmlns:r="http://schemas.openxmlformats.org/officeDocument/2006/relationships" xmlns:p="http://schemas.openxmlformats.org/presentationml/2006/main">
+  <p:cSld>
+    <p:spTree>
+      <p:nvGrpSpPr>
+        <p:cNvPr id="1" name=""/>
+        <p:cNvGrpSpPr/>
+        <p:nvPr/>
+      </p:nvGrpSpPr>
+      <p:grpSpPr>
+        <a:xfrm>
+          <a:off x="0" y="0"/>
+          <a:ext cx="0" cy="0"/>
+          <a:chOff x="0" y="0"/>
+          <a:chExt cx="0" cy="0"/>
+        </a:xfrm>
+      </p:grpSpPr>
+      <p:sp>
+        <p:nvSpPr>
+          <p:cNvPr id="2" name="Title 1">
+            <a:extLst>
+              <a:ext uri="{FF2B5EF4-FFF2-40B4-BE49-F238E27FC236}">
                 <a16:creationId xmlns:a16="http://schemas.microsoft.com/office/drawing/2014/main" id="{EAA63AD2-6C29-F6B2-7348-B9AC0DE7EF1B}"/>
               </a:ext>
             </a:extLst>
@@ -4001,7 +4174,7 @@
 </p:sld>
 </file>
 
-<file path=ppt/slides/slide15.xml><?xml version="1.0" encoding="utf-8"?>
+<file path=ppt/slides/slide16.xml><?xml version="1.0" encoding="utf-8"?>
 <p:sld xmlns:a="http://schemas.openxmlformats.org/drawingml/2006/main" xmlns:r="http://schemas.openxmlformats.org/officeDocument/2006/relationships" xmlns:p="http://schemas.openxmlformats.org/presentationml/2006/main">
   <p:cSld>
     <p:spTree>
@@ -4420,6 +4593,150 @@
           </a:p>
         </p:txBody>
       </p:sp>
+      <p:sp>
+        <p:nvSpPr>
+          <p:cNvPr id="3" name="Oval 2">
+            <a:extLst>
+              <a:ext uri="{FF2B5EF4-FFF2-40B4-BE49-F238E27FC236}">
+                <a16:creationId xmlns:a16="http://schemas.microsoft.com/office/drawing/2014/main" id="{7B7E7551-AC6A-8820-B053-008CF82CB6B7}"/>
+              </a:ext>
+            </a:extLst>
+          </p:cNvPr>
+          <p:cNvSpPr/>
+          <p:nvPr/>
+        </p:nvSpPr>
+        <p:spPr>
+          <a:xfrm>
+            <a:off x="4011651" y="3277085"/>
+            <a:ext cx="213059" cy="241492"/>
+          </a:xfrm>
+          <a:prstGeom prst="ellipse">
+            <a:avLst/>
+          </a:prstGeom>
+          <a:noFill/>
+          <a:ln w="28575"/>
+        </p:spPr>
+        <p:style>
+          <a:lnRef idx="2">
+            <a:schemeClr val="accent1">
+              <a:shade val="50000"/>
+            </a:schemeClr>
+          </a:lnRef>
+          <a:fillRef idx="1">
+            <a:schemeClr val="accent1"/>
+          </a:fillRef>
+          <a:effectRef idx="0">
+            <a:schemeClr val="accent1"/>
+          </a:effectRef>
+          <a:fontRef idx="minor">
+            <a:schemeClr val="lt1"/>
+          </a:fontRef>
+        </p:style>
+        <p:txBody>
+          <a:bodyPr rtlCol="0" anchor="ctr"/>
+          <a:lstStyle/>
+          <a:p>
+            <a:pPr algn="ctr"/>
+            <a:endParaRPr lang="en-AU"/>
+          </a:p>
+        </p:txBody>
+      </p:sp>
+      <p:sp>
+        <p:nvSpPr>
+          <p:cNvPr id="10" name="Oval 9">
+            <a:extLst>
+              <a:ext uri="{FF2B5EF4-FFF2-40B4-BE49-F238E27FC236}">
+                <a16:creationId xmlns:a16="http://schemas.microsoft.com/office/drawing/2014/main" id="{BC53EA72-6FED-55E8-3FC1-4DD064A89A1B}"/>
+              </a:ext>
+            </a:extLst>
+          </p:cNvPr>
+          <p:cNvSpPr/>
+          <p:nvPr/>
+        </p:nvSpPr>
+        <p:spPr>
+          <a:xfrm>
+            <a:off x="4652304" y="3118281"/>
+            <a:ext cx="213059" cy="241492"/>
+          </a:xfrm>
+          <a:prstGeom prst="ellipse">
+            <a:avLst/>
+          </a:prstGeom>
+          <a:noFill/>
+          <a:ln w="28575"/>
+        </p:spPr>
+        <p:style>
+          <a:lnRef idx="2">
+            <a:schemeClr val="accent1">
+              <a:shade val="50000"/>
+            </a:schemeClr>
+          </a:lnRef>
+          <a:fillRef idx="1">
+            <a:schemeClr val="accent1"/>
+          </a:fillRef>
+          <a:effectRef idx="0">
+            <a:schemeClr val="accent1"/>
+          </a:effectRef>
+          <a:fontRef idx="minor">
+            <a:schemeClr val="lt1"/>
+          </a:fontRef>
+        </p:style>
+        <p:txBody>
+          <a:bodyPr rtlCol="0" anchor="ctr"/>
+          <a:lstStyle/>
+          <a:p>
+            <a:pPr algn="ctr"/>
+            <a:endParaRPr lang="en-AU"/>
+          </a:p>
+        </p:txBody>
+      </p:sp>
+      <p:sp>
+        <p:nvSpPr>
+          <p:cNvPr id="11" name="Oval 10">
+            <a:extLst>
+              <a:ext uri="{FF2B5EF4-FFF2-40B4-BE49-F238E27FC236}">
+                <a16:creationId xmlns:a16="http://schemas.microsoft.com/office/drawing/2014/main" id="{5F911E2A-3ABF-99AB-95F9-ADDB74052CEE}"/>
+              </a:ext>
+            </a:extLst>
+          </p:cNvPr>
+          <p:cNvSpPr/>
+          <p:nvPr/>
+        </p:nvSpPr>
+        <p:spPr>
+          <a:xfrm>
+            <a:off x="4856510" y="2479569"/>
+            <a:ext cx="213059" cy="241492"/>
+          </a:xfrm>
+          <a:prstGeom prst="ellipse">
+            <a:avLst/>
+          </a:prstGeom>
+          <a:noFill/>
+          <a:ln w="28575"/>
+        </p:spPr>
+        <p:style>
+          <a:lnRef idx="2">
+            <a:schemeClr val="accent1">
+              <a:shade val="50000"/>
+            </a:schemeClr>
+          </a:lnRef>
+          <a:fillRef idx="1">
+            <a:schemeClr val="accent1"/>
+          </a:fillRef>
+          <a:effectRef idx="0">
+            <a:schemeClr val="accent1"/>
+          </a:effectRef>
+          <a:fontRef idx="minor">
+            <a:schemeClr val="lt1"/>
+          </a:fontRef>
+        </p:style>
+        <p:txBody>
+          <a:bodyPr rtlCol="0" anchor="ctr"/>
+          <a:lstStyle/>
+          <a:p>
+            <a:pPr algn="ctr"/>
+            <a:endParaRPr lang="en-AU"/>
+          </a:p>
+        </p:txBody>
+      </p:sp>
     </p:spTree>
     <p:extLst>
       <p:ext uri="{BB962C8B-B14F-4D97-AF65-F5344CB8AC3E}">
@@ -4455,7 +4772,7 @@
           <p:cNvPr id="2" name="Title 1">
             <a:extLst>
               <a:ext uri="{FF2B5EF4-FFF2-40B4-BE49-F238E27FC236}">
-                <a16:creationId xmlns:a16="http://schemas.microsoft.com/office/drawing/2014/main" id="{88D2E2A4-E65B-0FC5-35C9-6CFCAEAB3853}"/>
+                <a16:creationId xmlns:a16="http://schemas.microsoft.com/office/drawing/2014/main" id="{7A858E41-726B-0AA2-2CBA-76FA6D48D0C3}"/>
               </a:ext>
             </a:extLst>
           </p:cNvPr>
@@ -4466,19 +4783,14 @@
             <p:ph type="title"/>
           </p:nvPr>
         </p:nvSpPr>
-        <p:spPr>
-          <a:xfrm>
-            <a:off x="838200" y="365126"/>
-            <a:ext cx="9406631" cy="1019792"/>
-          </a:xfrm>
-        </p:spPr>
+        <p:spPr/>
         <p:txBody>
           <a:bodyPr/>
           <a:lstStyle/>
           <a:p>
             <a:r>
               <a:rPr lang="en-US" dirty="0"/>
-              <a:t>Evolution by Industry</a:t>
+              <a:t>Unemployment rate</a:t>
             </a:r>
             <a:endParaRPr lang="en-AU" dirty="0"/>
           </a:p>
@@ -4486,17 +4798,19 @@
       </p:sp>
       <p:pic>
         <p:nvPicPr>
-          <p:cNvPr id="13" name="Picture 12" descr="Chart&#10;&#10;Description automatically generated with medium confidence">
-            <a:extLst>
-              <a:ext uri="{FF2B5EF4-FFF2-40B4-BE49-F238E27FC236}">
-                <a16:creationId xmlns:a16="http://schemas.microsoft.com/office/drawing/2014/main" id="{10623876-3E22-D10C-38A4-CF3191E701D7}"/>
+          <p:cNvPr id="5" name="Content Placeholder 4" descr="Chart, line chart&#10;&#10;Description automatically generated">
+            <a:extLst>
+              <a:ext uri="{FF2B5EF4-FFF2-40B4-BE49-F238E27FC236}">
+                <a16:creationId xmlns:a16="http://schemas.microsoft.com/office/drawing/2014/main" id="{CF999774-03F2-CFDD-F835-B3A09D19CA8A}"/>
               </a:ext>
             </a:extLst>
           </p:cNvPr>
           <p:cNvPicPr>
-            <a:picLocks noChangeAspect="1"/>
+            <a:picLocks noGrp="1" noChangeAspect="1"/>
           </p:cNvPicPr>
-          <p:nvPr/>
+          <p:nvPr>
+            <p:ph idx="1"/>
+          </p:nvPr>
         </p:nvPicPr>
         <p:blipFill>
           <a:blip r:embed="rId2">
@@ -4512,20 +4826,61 @@
         </p:blipFill>
         <p:spPr>
           <a:xfrm>
-            <a:off x="415227" y="1285143"/>
-            <a:ext cx="5872100" cy="2689175"/>
+            <a:off x="1132457" y="1690688"/>
+            <a:ext cx="5844871" cy="3896581"/>
+          </a:xfrm>
+        </p:spPr>
+      </p:pic>
+      <p:sp>
+        <p:nvSpPr>
+          <p:cNvPr id="7" name="TextBox 6">
+            <a:extLst>
+              <a:ext uri="{FF2B5EF4-FFF2-40B4-BE49-F238E27FC236}">
+                <a16:creationId xmlns:a16="http://schemas.microsoft.com/office/drawing/2014/main" id="{F08BE1AD-4670-3590-571D-B8D3EBAE78C5}"/>
+              </a:ext>
+            </a:extLst>
+          </p:cNvPr>
+          <p:cNvSpPr txBox="1"/>
+          <p:nvPr/>
+        </p:nvSpPr>
+        <p:spPr>
+          <a:xfrm>
+            <a:off x="7211008" y="2085206"/>
+            <a:ext cx="4142792" cy="677108"/>
           </a:xfrm>
           <a:prstGeom prst="rect">
             <a:avLst/>
           </a:prstGeom>
-        </p:spPr>
-      </p:pic>
+          <a:noFill/>
+        </p:spPr>
+        <p:txBody>
+          <a:bodyPr wrap="square" rtlCol="0">
+            <a:spAutoFit/>
+          </a:bodyPr>
+          <a:lstStyle/>
+          <a:p>
+            <a:r>
+              <a:rPr lang="en-US" dirty="0"/>
+              <a:t>Current unemployment rate even </a:t>
+            </a:r>
+            <a:r>
+              <a:rPr lang="en-US" sz="2000" b="1" dirty="0"/>
+              <a:t>lower</a:t>
+            </a:r>
+            <a:r>
+              <a:rPr lang="en-US" dirty="0"/>
+              <a:t> than pre-COVID </a:t>
+            </a:r>
+            <a:endParaRPr lang="en-AU" dirty="0"/>
+          </a:p>
+        </p:txBody>
+      </p:sp>
       <p:pic>
         <p:nvPicPr>
-          <p:cNvPr id="15" name="Picture 14" descr="Chart, line chart&#10;&#10;Description automatically generated">
-            <a:extLst>
-              <a:ext uri="{FF2B5EF4-FFF2-40B4-BE49-F238E27FC236}">
-                <a16:creationId xmlns:a16="http://schemas.microsoft.com/office/drawing/2014/main" id="{D935509C-7E09-9752-09A6-657522166B75}"/>
+          <p:cNvPr id="13" name="Graphic 12" descr="Sunglasses face with solid fill with solid fill">
+            <a:extLst>
+              <a:ext uri="{FF2B5EF4-FFF2-40B4-BE49-F238E27FC236}">
+                <a16:creationId xmlns:a16="http://schemas.microsoft.com/office/drawing/2014/main" id="{72287ABE-EC14-9C97-EFED-C82158385922}"/>
               </a:ext>
             </a:extLst>
           </p:cNvPr>
@@ -4540,6 +4895,9 @@
               <a:ext uri="{28A0092B-C50C-407E-A947-70E740481C1C}">
                 <a14:useLocalDpi xmlns:a14="http://schemas.microsoft.com/office/drawing/2010/main" val="0"/>
               </a:ext>
+              <a:ext uri="{96DAC541-7B7A-43D3-8B79-37D633B846F1}">
+                <asvg:svgBlip xmlns:asvg="http://schemas.microsoft.com/office/drawing/2016/SVG/main" r:embed="rId4"/>
+              </a:ext>
             </a:extLst>
           </a:blip>
           <a:stretch>
@@ -4548,344 +4906,18 @@
         </p:blipFill>
         <p:spPr>
           <a:xfrm>
-            <a:off x="302812" y="4004777"/>
-            <a:ext cx="5584833" cy="2853223"/>
+            <a:off x="11059543" y="1933113"/>
+            <a:ext cx="614779" cy="614779"/>
           </a:xfrm>
           <a:prstGeom prst="rect">
             <a:avLst/>
           </a:prstGeom>
         </p:spPr>
       </p:pic>
-      <p:pic>
-        <p:nvPicPr>
-          <p:cNvPr id="17" name="Picture 16" descr="Chart, line chart&#10;&#10;Description automatically generated">
-            <a:extLst>
-              <a:ext uri="{FF2B5EF4-FFF2-40B4-BE49-F238E27FC236}">
-                <a16:creationId xmlns:a16="http://schemas.microsoft.com/office/drawing/2014/main" id="{A9F739BE-A2EC-8531-B4AC-3A915FBFD0FF}"/>
-              </a:ext>
-            </a:extLst>
-          </p:cNvPr>
-          <p:cNvPicPr>
-            <a:picLocks noChangeAspect="1"/>
-          </p:cNvPicPr>
-          <p:nvPr/>
-        </p:nvPicPr>
-        <p:blipFill>
-          <a:blip r:embed="rId4">
-            <a:extLst>
-              <a:ext uri="{28A0092B-C50C-407E-A947-70E740481C1C}">
-                <a14:useLocalDpi xmlns:a14="http://schemas.microsoft.com/office/drawing/2010/main" val="0"/>
-              </a:ext>
-            </a:extLst>
-          </a:blip>
-          <a:stretch>
-            <a:fillRect/>
-          </a:stretch>
-        </p:blipFill>
-        <p:spPr>
-          <a:xfrm>
-            <a:off x="6400799" y="4039999"/>
-            <a:ext cx="5950151" cy="2899035"/>
-          </a:xfrm>
-          <a:prstGeom prst="rect">
-            <a:avLst/>
-          </a:prstGeom>
-        </p:spPr>
-      </p:pic>
-      <p:pic>
-        <p:nvPicPr>
-          <p:cNvPr id="19" name="Picture 18" descr="A picture containing shape&#10;&#10;Description automatically generated">
-            <a:extLst>
-              <a:ext uri="{FF2B5EF4-FFF2-40B4-BE49-F238E27FC236}">
-                <a16:creationId xmlns:a16="http://schemas.microsoft.com/office/drawing/2014/main" id="{87B57EFC-99BF-B77C-244C-1031FEC138C8}"/>
-              </a:ext>
-            </a:extLst>
-          </p:cNvPr>
-          <p:cNvPicPr>
-            <a:picLocks noChangeAspect="1"/>
-          </p:cNvPicPr>
-          <p:nvPr/>
-        </p:nvPicPr>
-        <p:blipFill>
-          <a:blip r:embed="rId5">
-            <a:extLst>
-              <a:ext uri="{28A0092B-C50C-407E-A947-70E740481C1C}">
-                <a14:useLocalDpi xmlns:a14="http://schemas.microsoft.com/office/drawing/2010/main" val="0"/>
-              </a:ext>
-            </a:extLst>
-          </a:blip>
-          <a:stretch>
-            <a:fillRect/>
-          </a:stretch>
-        </p:blipFill>
-        <p:spPr>
-          <a:xfrm>
-            <a:off x="6400799" y="1319237"/>
-            <a:ext cx="4638675" cy="2720762"/>
-          </a:xfrm>
-          <a:prstGeom prst="rect">
-            <a:avLst/>
-          </a:prstGeom>
-        </p:spPr>
-      </p:pic>
-      <p:cxnSp>
-        <p:nvCxnSpPr>
-          <p:cNvPr id="20" name="Straight Connector 19">
-            <a:extLst>
-              <a:ext uri="{FF2B5EF4-FFF2-40B4-BE49-F238E27FC236}">
-                <a16:creationId xmlns:a16="http://schemas.microsoft.com/office/drawing/2014/main" id="{821B09D5-77FF-D802-1913-EBB1F815AB3A}"/>
-              </a:ext>
-            </a:extLst>
-          </p:cNvPr>
-          <p:cNvCxnSpPr>
-            <a:cxnSpLocks/>
-          </p:cNvCxnSpPr>
-          <p:nvPr/>
-        </p:nvCxnSpPr>
-        <p:spPr>
-          <a:xfrm flipV="1">
-            <a:off x="2543175" y="1509133"/>
-            <a:ext cx="0" cy="1919867"/>
-          </a:xfrm>
-          <a:prstGeom prst="line">
-            <a:avLst/>
-          </a:prstGeom>
-          <a:ln w="12700">
-            <a:solidFill>
-              <a:srgbClr val="C00000"/>
-            </a:solidFill>
-          </a:ln>
-        </p:spPr>
-        <p:style>
-          <a:lnRef idx="1">
-            <a:schemeClr val="accent1"/>
-          </a:lnRef>
-          <a:fillRef idx="0">
-            <a:schemeClr val="accent1"/>
-          </a:fillRef>
-          <a:effectRef idx="0">
-            <a:schemeClr val="accent1"/>
-          </a:effectRef>
-          <a:fontRef idx="minor">
-            <a:schemeClr val="tx1"/>
-          </a:fontRef>
-        </p:style>
-      </p:cxnSp>
-      <p:cxnSp>
-        <p:nvCxnSpPr>
-          <p:cNvPr id="22" name="Straight Connector 21">
-            <a:extLst>
-              <a:ext uri="{FF2B5EF4-FFF2-40B4-BE49-F238E27FC236}">
-                <a16:creationId xmlns:a16="http://schemas.microsoft.com/office/drawing/2014/main" id="{2A37158E-667D-4262-C19A-9E7C10EBA9EB}"/>
-              </a:ext>
-            </a:extLst>
-          </p:cNvPr>
-          <p:cNvCxnSpPr>
-            <a:cxnSpLocks/>
-          </p:cNvCxnSpPr>
-          <p:nvPr/>
-        </p:nvCxnSpPr>
-        <p:spPr>
-          <a:xfrm flipV="1">
-            <a:off x="8537082" y="1509133"/>
-            <a:ext cx="0" cy="1919867"/>
-          </a:xfrm>
-          <a:prstGeom prst="line">
-            <a:avLst/>
-          </a:prstGeom>
-          <a:ln w="12700">
-            <a:solidFill>
-              <a:srgbClr val="C00000"/>
-            </a:solidFill>
-          </a:ln>
-        </p:spPr>
-        <p:style>
-          <a:lnRef idx="1">
-            <a:schemeClr val="accent1"/>
-          </a:lnRef>
-          <a:fillRef idx="0">
-            <a:schemeClr val="accent1"/>
-          </a:fillRef>
-          <a:effectRef idx="0">
-            <a:schemeClr val="accent1"/>
-          </a:effectRef>
-          <a:fontRef idx="minor">
-            <a:schemeClr val="tx1"/>
-          </a:fontRef>
-        </p:style>
-      </p:cxnSp>
-      <p:cxnSp>
-        <p:nvCxnSpPr>
-          <p:cNvPr id="23" name="Straight Connector 22">
-            <a:extLst>
-              <a:ext uri="{FF2B5EF4-FFF2-40B4-BE49-F238E27FC236}">
-                <a16:creationId xmlns:a16="http://schemas.microsoft.com/office/drawing/2014/main" id="{158A3383-3E7F-BB78-03DA-A2189EB06CD5}"/>
-              </a:ext>
-            </a:extLst>
-          </p:cNvPr>
-          <p:cNvCxnSpPr>
-            <a:cxnSpLocks/>
-          </p:cNvCxnSpPr>
-          <p:nvPr/>
-        </p:nvCxnSpPr>
-        <p:spPr>
-          <a:xfrm flipV="1">
-            <a:off x="2543175" y="4314548"/>
-            <a:ext cx="0" cy="1947908"/>
-          </a:xfrm>
-          <a:prstGeom prst="line">
-            <a:avLst/>
-          </a:prstGeom>
-          <a:ln w="12700">
-            <a:solidFill>
-              <a:srgbClr val="C00000"/>
-            </a:solidFill>
-          </a:ln>
-        </p:spPr>
-        <p:style>
-          <a:lnRef idx="1">
-            <a:schemeClr val="accent1"/>
-          </a:lnRef>
-          <a:fillRef idx="0">
-            <a:schemeClr val="accent1"/>
-          </a:fillRef>
-          <a:effectRef idx="0">
-            <a:schemeClr val="accent1"/>
-          </a:effectRef>
-          <a:fontRef idx="minor">
-            <a:schemeClr val="tx1"/>
-          </a:fontRef>
-        </p:style>
-      </p:cxnSp>
-      <p:cxnSp>
-        <p:nvCxnSpPr>
-          <p:cNvPr id="25" name="Straight Connector 24">
-            <a:extLst>
-              <a:ext uri="{FF2B5EF4-FFF2-40B4-BE49-F238E27FC236}">
-                <a16:creationId xmlns:a16="http://schemas.microsoft.com/office/drawing/2014/main" id="{09329242-F356-5B49-1303-46BF338AE93D}"/>
-              </a:ext>
-            </a:extLst>
-          </p:cNvPr>
-          <p:cNvCxnSpPr>
-            <a:cxnSpLocks/>
-          </p:cNvCxnSpPr>
-          <p:nvPr/>
-        </p:nvCxnSpPr>
-        <p:spPr>
-          <a:xfrm flipV="1">
-            <a:off x="8625858" y="4314548"/>
-            <a:ext cx="0" cy="2010052"/>
-          </a:xfrm>
-          <a:prstGeom prst="line">
-            <a:avLst/>
-          </a:prstGeom>
-          <a:ln w="12700">
-            <a:solidFill>
-              <a:srgbClr val="C00000"/>
-            </a:solidFill>
-          </a:ln>
-        </p:spPr>
-        <p:style>
-          <a:lnRef idx="1">
-            <a:schemeClr val="accent1"/>
-          </a:lnRef>
-          <a:fillRef idx="0">
-            <a:schemeClr val="accent1"/>
-          </a:fillRef>
-          <a:effectRef idx="0">
-            <a:schemeClr val="accent1"/>
-          </a:effectRef>
-          <a:fontRef idx="minor">
-            <a:schemeClr val="tx1"/>
-          </a:fontRef>
-        </p:style>
-      </p:cxnSp>
-      <p:sp>
-        <p:nvSpPr>
-          <p:cNvPr id="27" name="TextBox 26">
-            <a:extLst>
-              <a:ext uri="{FF2B5EF4-FFF2-40B4-BE49-F238E27FC236}">
-                <a16:creationId xmlns:a16="http://schemas.microsoft.com/office/drawing/2014/main" id="{EBD45130-AD52-A700-7CC4-5FC2721C4480}"/>
-              </a:ext>
-            </a:extLst>
-          </p:cNvPr>
-          <p:cNvSpPr txBox="1"/>
-          <p:nvPr/>
-        </p:nvSpPr>
-        <p:spPr>
-          <a:xfrm>
-            <a:off x="6631619" y="284085"/>
-            <a:ext cx="4811698" cy="923330"/>
-          </a:xfrm>
-          <a:prstGeom prst="rect">
-            <a:avLst/>
-          </a:prstGeom>
-          <a:noFill/>
-        </p:spPr>
-        <p:txBody>
-          <a:bodyPr wrap="square" rtlCol="0">
-            <a:spAutoFit/>
-          </a:bodyPr>
-          <a:lstStyle/>
-          <a:p>
-            <a:pPr marL="285750" indent="-285750">
-              <a:buFont typeface="Arial" panose="020B0604020202020204" pitchFamily="34" charset="0"/>
-              <a:buChar char="•"/>
-            </a:pPr>
-            <a:r>
-              <a:rPr lang="en-US" dirty="0">
-                <a:solidFill>
-                  <a:srgbClr val="FF0000"/>
-                </a:solidFill>
-              </a:rPr>
-              <a:t>Accommodation and arts services</a:t>
-            </a:r>
-          </a:p>
-          <a:p>
-            <a:pPr marL="285750" indent="-285750">
-              <a:buFont typeface="Arial" panose="020B0604020202020204" pitchFamily="34" charset="0"/>
-              <a:buChar char="•"/>
-            </a:pPr>
-            <a:r>
-              <a:rPr lang="en-US" dirty="0">
-                <a:solidFill>
-                  <a:schemeClr val="accent6">
-                    <a:lumMod val="75000"/>
-                  </a:schemeClr>
-                </a:solidFill>
-              </a:rPr>
-              <a:t>High skilled jobs </a:t>
-            </a:r>
-          </a:p>
-          <a:p>
-            <a:pPr marL="285750" indent="-285750">
-              <a:buFont typeface="Arial" panose="020B0604020202020204" pitchFamily="34" charset="0"/>
-              <a:buChar char="•"/>
-            </a:pPr>
-            <a:r>
-              <a:rPr lang="en-US" dirty="0">
-                <a:solidFill>
-                  <a:schemeClr val="accent6">
-                    <a:lumMod val="75000"/>
-                  </a:schemeClr>
-                </a:solidFill>
-              </a:rPr>
-              <a:t>Health care increase occupation </a:t>
-            </a:r>
-            <a:endParaRPr lang="en-AU" dirty="0">
-              <a:solidFill>
-                <a:schemeClr val="accent6">
-                  <a:lumMod val="75000"/>
-                </a:schemeClr>
-              </a:solidFill>
-            </a:endParaRPr>
-          </a:p>
-        </p:txBody>
-      </p:sp>
     </p:spTree>
     <p:extLst>
       <p:ext uri="{BB962C8B-B14F-4D97-AF65-F5344CB8AC3E}">
-        <p14:creationId xmlns:p14="http://schemas.microsoft.com/office/powerpoint/2010/main" val="1386802486"/>
+        <p14:creationId xmlns:p14="http://schemas.microsoft.com/office/powerpoint/2010/main" val="374686728"/>
       </p:ext>
     </p:extLst>
   </p:cSld>
@@ -4917,7 +4949,7 @@
           <p:cNvPr id="2" name="Title 1">
             <a:extLst>
               <a:ext uri="{FF2B5EF4-FFF2-40B4-BE49-F238E27FC236}">
-                <a16:creationId xmlns:a16="http://schemas.microsoft.com/office/drawing/2014/main" id="{7EB38F94-51B2-B9FE-D84F-07C3A38C3C27}"/>
+                <a16:creationId xmlns:a16="http://schemas.microsoft.com/office/drawing/2014/main" id="{88D2E2A4-E65B-0FC5-35C9-6CFCAEAB3853}"/>
               </a:ext>
             </a:extLst>
           </p:cNvPr>
@@ -4928,51 +4960,582 @@
             <p:ph type="title"/>
           </p:nvPr>
         </p:nvSpPr>
-        <p:spPr/>
-        <p:txBody>
-          <a:bodyPr/>
-          <a:lstStyle/>
-          <a:p>
-            <a:r>
-              <a:rPr lang="en-AU"/>
-              <a:t>Pie chart here</a:t>
-            </a:r>
+        <p:spPr>
+          <a:xfrm>
+            <a:off x="838200" y="365126"/>
+            <a:ext cx="9406631" cy="1019792"/>
+          </a:xfrm>
+        </p:spPr>
+        <p:txBody>
+          <a:bodyPr/>
+          <a:lstStyle/>
+          <a:p>
+            <a:r>
+              <a:rPr lang="en-US" dirty="0"/>
+              <a:t>Evolution by Industry</a:t>
+            </a:r>
+            <a:endParaRPr lang="en-AU" dirty="0"/>
           </a:p>
         </p:txBody>
       </p:sp>
       <p:pic>
         <p:nvPicPr>
-          <p:cNvPr id="5" name="Content Placeholder 4">
-            <a:extLst>
-              <a:ext uri="{FF2B5EF4-FFF2-40B4-BE49-F238E27FC236}">
-                <a16:creationId xmlns:a16="http://schemas.microsoft.com/office/drawing/2014/main" id="{447CEDE0-8631-0843-4BB1-A90C39902A0A}"/>
+          <p:cNvPr id="13" name="Picture 12" descr="Chart&#10;&#10;Description automatically generated with medium confidence">
+            <a:extLst>
+              <a:ext uri="{FF2B5EF4-FFF2-40B4-BE49-F238E27FC236}">
+                <a16:creationId xmlns:a16="http://schemas.microsoft.com/office/drawing/2014/main" id="{10623876-3E22-D10C-38A4-CF3191E701D7}"/>
               </a:ext>
             </a:extLst>
           </p:cNvPr>
           <p:cNvPicPr>
-            <a:picLocks noGrp="1" noChangeAspect="1"/>
+            <a:picLocks noChangeAspect="1"/>
           </p:cNvPicPr>
-          <p:nvPr>
-            <p:ph idx="1"/>
-          </p:nvPr>
+          <p:nvPr/>
         </p:nvPicPr>
         <p:blipFill>
-          <a:blip r:embed="rId2"/>
+          <a:blip r:embed="rId2">
+            <a:extLst>
+              <a:ext uri="{28A0092B-C50C-407E-A947-70E740481C1C}">
+                <a14:useLocalDpi xmlns:a14="http://schemas.microsoft.com/office/drawing/2010/main" val="0"/>
+              </a:ext>
+            </a:extLst>
+          </a:blip>
           <a:stretch>
             <a:fillRect/>
           </a:stretch>
         </p:blipFill>
         <p:spPr>
           <a:xfrm>
-            <a:off x="1603442" y="1825625"/>
-            <a:ext cx="8985116" cy="4351338"/>
-          </a:xfrm>
+            <a:off x="415227" y="1285143"/>
+            <a:ext cx="5872100" cy="2689175"/>
+          </a:xfrm>
+          <a:prstGeom prst="rect">
+            <a:avLst/>
+          </a:prstGeom>
+        </p:spPr>
+      </p:pic>
+      <p:pic>
+        <p:nvPicPr>
+          <p:cNvPr id="15" name="Picture 14" descr="Chart, line chart&#10;&#10;Description automatically generated">
+            <a:extLst>
+              <a:ext uri="{FF2B5EF4-FFF2-40B4-BE49-F238E27FC236}">
+                <a16:creationId xmlns:a16="http://schemas.microsoft.com/office/drawing/2014/main" id="{D935509C-7E09-9752-09A6-657522166B75}"/>
+              </a:ext>
+            </a:extLst>
+          </p:cNvPr>
+          <p:cNvPicPr>
+            <a:picLocks noChangeAspect="1"/>
+          </p:cNvPicPr>
+          <p:nvPr/>
+        </p:nvPicPr>
+        <p:blipFill>
+          <a:blip r:embed="rId3">
+            <a:extLst>
+              <a:ext uri="{28A0092B-C50C-407E-A947-70E740481C1C}">
+                <a14:useLocalDpi xmlns:a14="http://schemas.microsoft.com/office/drawing/2010/main" val="0"/>
+              </a:ext>
+            </a:extLst>
+          </a:blip>
+          <a:stretch>
+            <a:fillRect/>
+          </a:stretch>
+        </p:blipFill>
+        <p:spPr>
+          <a:xfrm>
+            <a:off x="302812" y="4004777"/>
+            <a:ext cx="5584833" cy="2853223"/>
+          </a:xfrm>
+          <a:prstGeom prst="rect">
+            <a:avLst/>
+          </a:prstGeom>
+        </p:spPr>
+      </p:pic>
+      <p:pic>
+        <p:nvPicPr>
+          <p:cNvPr id="17" name="Picture 16" descr="Chart, line chart&#10;&#10;Description automatically generated">
+            <a:extLst>
+              <a:ext uri="{FF2B5EF4-FFF2-40B4-BE49-F238E27FC236}">
+                <a16:creationId xmlns:a16="http://schemas.microsoft.com/office/drawing/2014/main" id="{A9F739BE-A2EC-8531-B4AC-3A915FBFD0FF}"/>
+              </a:ext>
+            </a:extLst>
+          </p:cNvPr>
+          <p:cNvPicPr>
+            <a:picLocks noChangeAspect="1"/>
+          </p:cNvPicPr>
+          <p:nvPr/>
+        </p:nvPicPr>
+        <p:blipFill>
+          <a:blip r:embed="rId4">
+            <a:extLst>
+              <a:ext uri="{28A0092B-C50C-407E-A947-70E740481C1C}">
+                <a14:useLocalDpi xmlns:a14="http://schemas.microsoft.com/office/drawing/2010/main" val="0"/>
+              </a:ext>
+            </a:extLst>
+          </a:blip>
+          <a:stretch>
+            <a:fillRect/>
+          </a:stretch>
+        </p:blipFill>
+        <p:spPr>
+          <a:xfrm>
+            <a:off x="6400799" y="4039999"/>
+            <a:ext cx="5950151" cy="2899035"/>
+          </a:xfrm>
+          <a:prstGeom prst="rect">
+            <a:avLst/>
+          </a:prstGeom>
+        </p:spPr>
+      </p:pic>
+      <p:pic>
+        <p:nvPicPr>
+          <p:cNvPr id="19" name="Picture 18" descr="A picture containing shape&#10;&#10;Description automatically generated">
+            <a:extLst>
+              <a:ext uri="{FF2B5EF4-FFF2-40B4-BE49-F238E27FC236}">
+                <a16:creationId xmlns:a16="http://schemas.microsoft.com/office/drawing/2014/main" id="{87B57EFC-99BF-B77C-244C-1031FEC138C8}"/>
+              </a:ext>
+            </a:extLst>
+          </p:cNvPr>
+          <p:cNvPicPr>
+            <a:picLocks noChangeAspect="1"/>
+          </p:cNvPicPr>
+          <p:nvPr/>
+        </p:nvPicPr>
+        <p:blipFill>
+          <a:blip r:embed="rId5">
+            <a:extLst>
+              <a:ext uri="{28A0092B-C50C-407E-A947-70E740481C1C}">
+                <a14:useLocalDpi xmlns:a14="http://schemas.microsoft.com/office/drawing/2010/main" val="0"/>
+              </a:ext>
+            </a:extLst>
+          </a:blip>
+          <a:stretch>
+            <a:fillRect/>
+          </a:stretch>
+        </p:blipFill>
+        <p:spPr>
+          <a:xfrm>
+            <a:off x="6400799" y="1319237"/>
+            <a:ext cx="4638675" cy="2720762"/>
+          </a:xfrm>
+          <a:prstGeom prst="rect">
+            <a:avLst/>
+          </a:prstGeom>
+        </p:spPr>
+      </p:pic>
+      <p:cxnSp>
+        <p:nvCxnSpPr>
+          <p:cNvPr id="20" name="Straight Connector 19">
+            <a:extLst>
+              <a:ext uri="{FF2B5EF4-FFF2-40B4-BE49-F238E27FC236}">
+                <a16:creationId xmlns:a16="http://schemas.microsoft.com/office/drawing/2014/main" id="{821B09D5-77FF-D802-1913-EBB1F815AB3A}"/>
+              </a:ext>
+            </a:extLst>
+          </p:cNvPr>
+          <p:cNvCxnSpPr>
+            <a:cxnSpLocks/>
+          </p:cNvCxnSpPr>
+          <p:nvPr/>
+        </p:nvCxnSpPr>
+        <p:spPr>
+          <a:xfrm flipV="1">
+            <a:off x="2543175" y="1509133"/>
+            <a:ext cx="0" cy="1919867"/>
+          </a:xfrm>
+          <a:prstGeom prst="line">
+            <a:avLst/>
+          </a:prstGeom>
+          <a:ln w="12700">
+            <a:solidFill>
+              <a:srgbClr val="C00000"/>
+            </a:solidFill>
+          </a:ln>
+        </p:spPr>
+        <p:style>
+          <a:lnRef idx="1">
+            <a:schemeClr val="accent1"/>
+          </a:lnRef>
+          <a:fillRef idx="0">
+            <a:schemeClr val="accent1"/>
+          </a:fillRef>
+          <a:effectRef idx="0">
+            <a:schemeClr val="accent1"/>
+          </a:effectRef>
+          <a:fontRef idx="minor">
+            <a:schemeClr val="tx1"/>
+          </a:fontRef>
+        </p:style>
+      </p:cxnSp>
+      <p:cxnSp>
+        <p:nvCxnSpPr>
+          <p:cNvPr id="22" name="Straight Connector 21">
+            <a:extLst>
+              <a:ext uri="{FF2B5EF4-FFF2-40B4-BE49-F238E27FC236}">
+                <a16:creationId xmlns:a16="http://schemas.microsoft.com/office/drawing/2014/main" id="{2A37158E-667D-4262-C19A-9E7C10EBA9EB}"/>
+              </a:ext>
+            </a:extLst>
+          </p:cNvPr>
+          <p:cNvCxnSpPr>
+            <a:cxnSpLocks/>
+          </p:cNvCxnSpPr>
+          <p:nvPr/>
+        </p:nvCxnSpPr>
+        <p:spPr>
+          <a:xfrm flipV="1">
+            <a:off x="8537082" y="1509133"/>
+            <a:ext cx="0" cy="1919867"/>
+          </a:xfrm>
+          <a:prstGeom prst="line">
+            <a:avLst/>
+          </a:prstGeom>
+          <a:ln w="12700">
+            <a:solidFill>
+              <a:srgbClr val="C00000"/>
+            </a:solidFill>
+          </a:ln>
+        </p:spPr>
+        <p:style>
+          <a:lnRef idx="1">
+            <a:schemeClr val="accent1"/>
+          </a:lnRef>
+          <a:fillRef idx="0">
+            <a:schemeClr val="accent1"/>
+          </a:fillRef>
+          <a:effectRef idx="0">
+            <a:schemeClr val="accent1"/>
+          </a:effectRef>
+          <a:fontRef idx="minor">
+            <a:schemeClr val="tx1"/>
+          </a:fontRef>
+        </p:style>
+      </p:cxnSp>
+      <p:cxnSp>
+        <p:nvCxnSpPr>
+          <p:cNvPr id="23" name="Straight Connector 22">
+            <a:extLst>
+              <a:ext uri="{FF2B5EF4-FFF2-40B4-BE49-F238E27FC236}">
+                <a16:creationId xmlns:a16="http://schemas.microsoft.com/office/drawing/2014/main" id="{158A3383-3E7F-BB78-03DA-A2189EB06CD5}"/>
+              </a:ext>
+            </a:extLst>
+          </p:cNvPr>
+          <p:cNvCxnSpPr>
+            <a:cxnSpLocks/>
+          </p:cNvCxnSpPr>
+          <p:nvPr/>
+        </p:nvCxnSpPr>
+        <p:spPr>
+          <a:xfrm flipV="1">
+            <a:off x="2543175" y="4314548"/>
+            <a:ext cx="0" cy="1947908"/>
+          </a:xfrm>
+          <a:prstGeom prst="line">
+            <a:avLst/>
+          </a:prstGeom>
+          <a:ln w="12700">
+            <a:solidFill>
+              <a:srgbClr val="C00000"/>
+            </a:solidFill>
+          </a:ln>
+        </p:spPr>
+        <p:style>
+          <a:lnRef idx="1">
+            <a:schemeClr val="accent1"/>
+          </a:lnRef>
+          <a:fillRef idx="0">
+            <a:schemeClr val="accent1"/>
+          </a:fillRef>
+          <a:effectRef idx="0">
+            <a:schemeClr val="accent1"/>
+          </a:effectRef>
+          <a:fontRef idx="minor">
+            <a:schemeClr val="tx1"/>
+          </a:fontRef>
+        </p:style>
+      </p:cxnSp>
+      <p:cxnSp>
+        <p:nvCxnSpPr>
+          <p:cNvPr id="25" name="Straight Connector 24">
+            <a:extLst>
+              <a:ext uri="{FF2B5EF4-FFF2-40B4-BE49-F238E27FC236}">
+                <a16:creationId xmlns:a16="http://schemas.microsoft.com/office/drawing/2014/main" id="{09329242-F356-5B49-1303-46BF338AE93D}"/>
+              </a:ext>
+            </a:extLst>
+          </p:cNvPr>
+          <p:cNvCxnSpPr>
+            <a:cxnSpLocks/>
+          </p:cNvCxnSpPr>
+          <p:nvPr/>
+        </p:nvCxnSpPr>
+        <p:spPr>
+          <a:xfrm flipV="1">
+            <a:off x="8625858" y="4314548"/>
+            <a:ext cx="0" cy="2010052"/>
+          </a:xfrm>
+          <a:prstGeom prst="line">
+            <a:avLst/>
+          </a:prstGeom>
+          <a:ln w="12700">
+            <a:solidFill>
+              <a:srgbClr val="C00000"/>
+            </a:solidFill>
+          </a:ln>
+        </p:spPr>
+        <p:style>
+          <a:lnRef idx="1">
+            <a:schemeClr val="accent1"/>
+          </a:lnRef>
+          <a:fillRef idx="0">
+            <a:schemeClr val="accent1"/>
+          </a:fillRef>
+          <a:effectRef idx="0">
+            <a:schemeClr val="accent1"/>
+          </a:effectRef>
+          <a:fontRef idx="minor">
+            <a:schemeClr val="tx1"/>
+          </a:fontRef>
+        </p:style>
+      </p:cxnSp>
+      <p:sp>
+        <p:nvSpPr>
+          <p:cNvPr id="27" name="TextBox 26">
+            <a:extLst>
+              <a:ext uri="{FF2B5EF4-FFF2-40B4-BE49-F238E27FC236}">
+                <a16:creationId xmlns:a16="http://schemas.microsoft.com/office/drawing/2014/main" id="{EBD45130-AD52-A700-7CC4-5FC2721C4480}"/>
+              </a:ext>
+            </a:extLst>
+          </p:cNvPr>
+          <p:cNvSpPr txBox="1"/>
+          <p:nvPr/>
+        </p:nvSpPr>
+        <p:spPr>
+          <a:xfrm>
+            <a:off x="6631619" y="284085"/>
+            <a:ext cx="4811698" cy="923330"/>
+          </a:xfrm>
+          <a:prstGeom prst="rect">
+            <a:avLst/>
+          </a:prstGeom>
+          <a:noFill/>
+        </p:spPr>
+        <p:txBody>
+          <a:bodyPr wrap="square" rtlCol="0">
+            <a:spAutoFit/>
+          </a:bodyPr>
+          <a:lstStyle/>
+          <a:p>
+            <a:pPr marL="285750" indent="-285750">
+              <a:buFont typeface="Arial" panose="020B0604020202020204" pitchFamily="34" charset="0"/>
+              <a:buChar char="•"/>
+            </a:pPr>
+            <a:r>
+              <a:rPr lang="en-US" dirty="0">
+                <a:solidFill>
+                  <a:srgbClr val="FF0000"/>
+                </a:solidFill>
+              </a:rPr>
+              <a:t>Accommodation and arts services</a:t>
+            </a:r>
+          </a:p>
+          <a:p>
+            <a:pPr marL="285750" indent="-285750">
+              <a:buFont typeface="Arial" panose="020B0604020202020204" pitchFamily="34" charset="0"/>
+              <a:buChar char="•"/>
+            </a:pPr>
+            <a:r>
+              <a:rPr lang="en-US" dirty="0">
+                <a:solidFill>
+                  <a:schemeClr val="accent6">
+                    <a:lumMod val="75000"/>
+                  </a:schemeClr>
+                </a:solidFill>
+              </a:rPr>
+              <a:t>High skilled jobs </a:t>
+            </a:r>
+          </a:p>
+          <a:p>
+            <a:pPr marL="285750" indent="-285750">
+              <a:buFont typeface="Arial" panose="020B0604020202020204" pitchFamily="34" charset="0"/>
+              <a:buChar char="•"/>
+            </a:pPr>
+            <a:r>
+              <a:rPr lang="en-US" dirty="0">
+                <a:solidFill>
+                  <a:schemeClr val="accent6">
+                    <a:lumMod val="75000"/>
+                  </a:schemeClr>
+                </a:solidFill>
+              </a:rPr>
+              <a:t>Health care increase occupation </a:t>
+            </a:r>
+            <a:endParaRPr lang="en-AU" dirty="0">
+              <a:solidFill>
+                <a:schemeClr val="accent6">
+                  <a:lumMod val="75000"/>
+                </a:schemeClr>
+              </a:solidFill>
+            </a:endParaRPr>
+          </a:p>
+        </p:txBody>
+      </p:sp>
+      <p:pic>
+        <p:nvPicPr>
+          <p:cNvPr id="4" name="Graphic 3" descr="Badge Cross with solid fill">
+            <a:extLst>
+              <a:ext uri="{FF2B5EF4-FFF2-40B4-BE49-F238E27FC236}">
+                <a16:creationId xmlns:a16="http://schemas.microsoft.com/office/drawing/2014/main" id="{1E493E9C-3200-DC97-CBAB-5F050E0A7B27}"/>
+              </a:ext>
+            </a:extLst>
+          </p:cNvPr>
+          <p:cNvPicPr>
+            <a:picLocks noChangeAspect="1"/>
+          </p:cNvPicPr>
+          <p:nvPr/>
+        </p:nvPicPr>
+        <p:blipFill>
+          <a:blip r:embed="rId6">
+            <a:extLst>
+              <a:ext uri="{28A0092B-C50C-407E-A947-70E740481C1C}">
+                <a14:useLocalDpi xmlns:a14="http://schemas.microsoft.com/office/drawing/2010/main" val="0"/>
+              </a:ext>
+              <a:ext uri="{96DAC541-7B7A-43D3-8B79-37D633B846F1}">
+                <asvg:svgBlip xmlns:asvg="http://schemas.microsoft.com/office/drawing/2016/SVG/main" r:embed="rId7"/>
+              </a:ext>
+            </a:extLst>
+          </a:blip>
+          <a:stretch>
+            <a:fillRect/>
+          </a:stretch>
+        </p:blipFill>
+        <p:spPr>
+          <a:xfrm>
+            <a:off x="9703841" y="1509133"/>
+            <a:ext cx="339571" cy="339571"/>
+          </a:xfrm>
+          <a:prstGeom prst="rect">
+            <a:avLst/>
+          </a:prstGeom>
+        </p:spPr>
+      </p:pic>
+      <p:pic>
+        <p:nvPicPr>
+          <p:cNvPr id="14" name="Graphic 13" descr="Badge Cross with solid fill">
+            <a:extLst>
+              <a:ext uri="{FF2B5EF4-FFF2-40B4-BE49-F238E27FC236}">
+                <a16:creationId xmlns:a16="http://schemas.microsoft.com/office/drawing/2014/main" id="{7F314AAB-CFD7-FF9B-D4A1-5E7565AD3180}"/>
+              </a:ext>
+            </a:extLst>
+          </p:cNvPr>
+          <p:cNvPicPr>
+            <a:picLocks noChangeAspect="1"/>
+          </p:cNvPicPr>
+          <p:nvPr/>
+        </p:nvPicPr>
+        <p:blipFill>
+          <a:blip r:embed="rId6">
+            <a:extLst>
+              <a:ext uri="{28A0092B-C50C-407E-A947-70E740481C1C}">
+                <a14:useLocalDpi xmlns:a14="http://schemas.microsoft.com/office/drawing/2010/main" val="0"/>
+              </a:ext>
+              <a:ext uri="{96DAC541-7B7A-43D3-8B79-37D633B846F1}">
+                <asvg:svgBlip xmlns:asvg="http://schemas.microsoft.com/office/drawing/2016/SVG/main" r:embed="rId7"/>
+              </a:ext>
+            </a:extLst>
+          </a:blip>
+          <a:stretch>
+            <a:fillRect/>
+          </a:stretch>
+        </p:blipFill>
+        <p:spPr>
+          <a:xfrm>
+            <a:off x="9703841" y="4229895"/>
+            <a:ext cx="339571" cy="339571"/>
+          </a:xfrm>
+          <a:prstGeom prst="rect">
+            <a:avLst/>
+          </a:prstGeom>
+        </p:spPr>
+      </p:pic>
+      <p:pic>
+        <p:nvPicPr>
+          <p:cNvPr id="16" name="Graphic 15" descr="Badge Cross with solid fill">
+            <a:extLst>
+              <a:ext uri="{FF2B5EF4-FFF2-40B4-BE49-F238E27FC236}">
+                <a16:creationId xmlns:a16="http://schemas.microsoft.com/office/drawing/2014/main" id="{70677EB8-C4F6-A8D7-D60D-B5A566D50CF3}"/>
+              </a:ext>
+            </a:extLst>
+          </p:cNvPr>
+          <p:cNvPicPr>
+            <a:picLocks noChangeAspect="1"/>
+          </p:cNvPicPr>
+          <p:nvPr/>
+        </p:nvPicPr>
+        <p:blipFill>
+          <a:blip r:embed="rId6">
+            <a:extLst>
+              <a:ext uri="{28A0092B-C50C-407E-A947-70E740481C1C}">
+                <a14:useLocalDpi xmlns:a14="http://schemas.microsoft.com/office/drawing/2010/main" val="0"/>
+              </a:ext>
+              <a:ext uri="{96DAC541-7B7A-43D3-8B79-37D633B846F1}">
+                <asvg:svgBlip xmlns:asvg="http://schemas.microsoft.com/office/drawing/2016/SVG/main" r:embed="rId7"/>
+              </a:ext>
+            </a:extLst>
+          </a:blip>
+          <a:stretch>
+            <a:fillRect/>
+          </a:stretch>
+        </p:blipFill>
+        <p:spPr>
+          <a:xfrm>
+            <a:off x="9794097" y="5907811"/>
+            <a:ext cx="339571" cy="339571"/>
+          </a:xfrm>
+          <a:prstGeom prst="rect">
+            <a:avLst/>
+          </a:prstGeom>
+        </p:spPr>
+      </p:pic>
+      <p:pic>
+        <p:nvPicPr>
+          <p:cNvPr id="6" name="Graphic 5" descr="Badge Tick1 with solid fill">
+            <a:extLst>
+              <a:ext uri="{FF2B5EF4-FFF2-40B4-BE49-F238E27FC236}">
+                <a16:creationId xmlns:a16="http://schemas.microsoft.com/office/drawing/2014/main" id="{C4CC52A5-702D-D625-7934-8957A00F558E}"/>
+              </a:ext>
+            </a:extLst>
+          </p:cNvPr>
+          <p:cNvPicPr>
+            <a:picLocks noChangeAspect="1"/>
+          </p:cNvPicPr>
+          <p:nvPr/>
+        </p:nvPicPr>
+        <p:blipFill>
+          <a:blip r:embed="rId8">
+            <a:extLst>
+              <a:ext uri="{28A0092B-C50C-407E-A947-70E740481C1C}">
+                <a14:useLocalDpi xmlns:a14="http://schemas.microsoft.com/office/drawing/2010/main" val="0"/>
+              </a:ext>
+              <a:ext uri="{96DAC541-7B7A-43D3-8B79-37D633B846F1}">
+                <asvg:svgBlip xmlns:asvg="http://schemas.microsoft.com/office/drawing/2016/SVG/main" r:embed="rId9"/>
+              </a:ext>
+            </a:extLst>
+          </a:blip>
+          <a:stretch>
+            <a:fillRect/>
+          </a:stretch>
+        </p:blipFill>
+        <p:spPr>
+          <a:xfrm>
+            <a:off x="3565771" y="1319237"/>
+            <a:ext cx="457200" cy="457200"/>
+          </a:xfrm>
+          <a:prstGeom prst="rect">
+            <a:avLst/>
+          </a:prstGeom>
         </p:spPr>
       </p:pic>
     </p:spTree>
     <p:extLst>
       <p:ext uri="{BB962C8B-B14F-4D97-AF65-F5344CB8AC3E}">
-        <p14:creationId xmlns:p14="http://schemas.microsoft.com/office/powerpoint/2010/main" val="1446011207"/>
+        <p14:creationId xmlns:p14="http://schemas.microsoft.com/office/powerpoint/2010/main" val="1386802486"/>
       </p:ext>
     </p:extLst>
   </p:cSld>
@@ -5004,7 +5567,7 @@
           <p:cNvPr id="2" name="Title 1">
             <a:extLst>
               <a:ext uri="{FF2B5EF4-FFF2-40B4-BE49-F238E27FC236}">
-                <a16:creationId xmlns:a16="http://schemas.microsoft.com/office/drawing/2014/main" id="{DEC128E2-3143-8331-65CD-5AF390443A41}"/>
+                <a16:creationId xmlns:a16="http://schemas.microsoft.com/office/drawing/2014/main" id="{7EB38F94-51B2-B9FE-D84F-07C3A38C3C27}"/>
               </a:ext>
             </a:extLst>
           </p:cNvPr>
@@ -5021,50 +5584,27 @@
           <a:lstStyle/>
           <a:p>
             <a:r>
-              <a:rPr lang="en-AU" dirty="0"/>
-              <a:t>Australian Employed Total (Qtly)</a:t>
-            </a:r>
-          </a:p>
-        </p:txBody>
-      </p:sp>
-      <p:sp>
-        <p:nvSpPr>
-          <p:cNvPr id="3" name="Content Placeholder 2">
-            <a:extLst>
-              <a:ext uri="{FF2B5EF4-FFF2-40B4-BE49-F238E27FC236}">
-                <a16:creationId xmlns:a16="http://schemas.microsoft.com/office/drawing/2014/main" id="{E71F2B29-A873-DB6E-83B5-A6C4BB1E56AA}"/>
-              </a:ext>
-            </a:extLst>
-          </p:cNvPr>
-          <p:cNvSpPr>
-            <a:spLocks noGrp="1"/>
-          </p:cNvSpPr>
-          <p:nvPr>
-            <p:ph idx="1"/>
-          </p:nvPr>
-        </p:nvSpPr>
-        <p:spPr/>
-        <p:txBody>
-          <a:bodyPr/>
-          <a:lstStyle/>
-          <a:p>
-            <a:endParaRPr lang="en-AU"/>
+              <a:rPr lang="en-AU"/>
+              <a:t>Pie chart here</a:t>
+            </a:r>
           </a:p>
         </p:txBody>
       </p:sp>
       <p:pic>
         <p:nvPicPr>
-          <p:cNvPr id="5" name="Picture 4">
-            <a:extLst>
-              <a:ext uri="{FF2B5EF4-FFF2-40B4-BE49-F238E27FC236}">
-                <a16:creationId xmlns:a16="http://schemas.microsoft.com/office/drawing/2014/main" id="{2CE9A5E5-12B2-1C73-9A2A-1E9EB05D0E1F}"/>
+          <p:cNvPr id="5" name="Content Placeholder 4">
+            <a:extLst>
+              <a:ext uri="{FF2B5EF4-FFF2-40B4-BE49-F238E27FC236}">
+                <a16:creationId xmlns:a16="http://schemas.microsoft.com/office/drawing/2014/main" id="{447CEDE0-8631-0843-4BB1-A90C39902A0A}"/>
               </a:ext>
             </a:extLst>
           </p:cNvPr>
           <p:cNvPicPr>
-            <a:picLocks noChangeAspect="1"/>
+            <a:picLocks noGrp="1" noChangeAspect="1"/>
           </p:cNvPicPr>
-          <p:nvPr/>
+          <p:nvPr>
+            <p:ph idx="1"/>
+          </p:nvPr>
         </p:nvPicPr>
         <p:blipFill>
           <a:blip r:embed="rId2"/>
@@ -5074,18 +5614,15 @@
         </p:blipFill>
         <p:spPr>
           <a:xfrm>
-            <a:off x="2117558" y="1825625"/>
-            <a:ext cx="7813836" cy="4476469"/>
-          </a:xfrm>
-          <a:prstGeom prst="rect">
-            <a:avLst/>
-          </a:prstGeom>
+            <a:off x="1603442" y="1825625"/>
+            <a:ext cx="8985116" cy="4351338"/>
+          </a:xfrm>
         </p:spPr>
       </p:pic>
     </p:spTree>
     <p:extLst>
       <p:ext uri="{BB962C8B-B14F-4D97-AF65-F5344CB8AC3E}">
-        <p14:creationId xmlns:p14="http://schemas.microsoft.com/office/powerpoint/2010/main" val="79906420"/>
+        <p14:creationId xmlns:p14="http://schemas.microsoft.com/office/powerpoint/2010/main" val="1446011207"/>
       </p:ext>
     </p:extLst>
   </p:cSld>
@@ -5117,7 +5654,7 @@
           <p:cNvPr id="2" name="Title 1">
             <a:extLst>
               <a:ext uri="{FF2B5EF4-FFF2-40B4-BE49-F238E27FC236}">
-                <a16:creationId xmlns:a16="http://schemas.microsoft.com/office/drawing/2014/main" id="{61189723-46E3-F125-0565-35F6856F693B}"/>
+                <a16:creationId xmlns:a16="http://schemas.microsoft.com/office/drawing/2014/main" id="{DEC128E2-3143-8331-65CD-5AF390443A41}"/>
               </a:ext>
             </a:extLst>
           </p:cNvPr>
@@ -5134,10 +5671,34 @@
           <a:lstStyle/>
           <a:p>
             <a:r>
-              <a:rPr lang="en-US" dirty="0"/>
-              <a:t>2018 vs 2021</a:t>
-            </a:r>
-            <a:endParaRPr lang="en-AU" dirty="0"/>
+              <a:rPr lang="en-AU" dirty="0"/>
+              <a:t>Australian Employed Total (Qtly)</a:t>
+            </a:r>
+          </a:p>
+        </p:txBody>
+      </p:sp>
+      <p:sp>
+        <p:nvSpPr>
+          <p:cNvPr id="3" name="Content Placeholder 2">
+            <a:extLst>
+              <a:ext uri="{FF2B5EF4-FFF2-40B4-BE49-F238E27FC236}">
+                <a16:creationId xmlns:a16="http://schemas.microsoft.com/office/drawing/2014/main" id="{E71F2B29-A873-DB6E-83B5-A6C4BB1E56AA}"/>
+              </a:ext>
+            </a:extLst>
+          </p:cNvPr>
+          <p:cNvSpPr>
+            <a:spLocks noGrp="1"/>
+          </p:cNvSpPr>
+          <p:nvPr>
+            <p:ph idx="1"/>
+          </p:nvPr>
+        </p:nvSpPr>
+        <p:spPr/>
+        <p:txBody>
+          <a:bodyPr/>
+          <a:lstStyle/>
+          <a:p>
+            <a:endParaRPr lang="en-AU"/>
           </a:p>
         </p:txBody>
       </p:sp>
@@ -5146,7 +5707,7 @@
           <p:cNvPr id="5" name="Picture 4">
             <a:extLst>
               <a:ext uri="{FF2B5EF4-FFF2-40B4-BE49-F238E27FC236}">
-                <a16:creationId xmlns:a16="http://schemas.microsoft.com/office/drawing/2014/main" id="{F0B1FA33-AFA3-4348-BBDE-398B38197093}"/>
+                <a16:creationId xmlns:a16="http://schemas.microsoft.com/office/drawing/2014/main" id="{2CE9A5E5-12B2-1C73-9A2A-1E9EB05D0E1F}"/>
               </a:ext>
             </a:extLst>
           </p:cNvPr>
@@ -5163,38 +5724,8 @@
         </p:blipFill>
         <p:spPr>
           <a:xfrm>
-            <a:off x="838200" y="2115230"/>
-            <a:ext cx="4769095" cy="3486329"/>
-          </a:xfrm>
-          <a:prstGeom prst="rect">
-            <a:avLst/>
-          </a:prstGeom>
-        </p:spPr>
-      </p:pic>
-      <p:pic>
-        <p:nvPicPr>
-          <p:cNvPr id="7" name="Picture 6">
-            <a:extLst>
-              <a:ext uri="{FF2B5EF4-FFF2-40B4-BE49-F238E27FC236}">
-                <a16:creationId xmlns:a16="http://schemas.microsoft.com/office/drawing/2014/main" id="{C1341644-EE3B-E409-6A2B-A81F62FBC6FF}"/>
-              </a:ext>
-            </a:extLst>
-          </p:cNvPr>
-          <p:cNvPicPr>
-            <a:picLocks noChangeAspect="1"/>
-          </p:cNvPicPr>
-          <p:nvPr/>
-        </p:nvPicPr>
-        <p:blipFill>
-          <a:blip r:embed="rId3"/>
-          <a:stretch>
-            <a:fillRect/>
-          </a:stretch>
-        </p:blipFill>
-        <p:spPr>
-          <a:xfrm>
-            <a:off x="6096000" y="2115230"/>
-            <a:ext cx="4781796" cy="3543482"/>
+            <a:off x="2117558" y="1825625"/>
+            <a:ext cx="7813836" cy="4476469"/>
           </a:xfrm>
           <a:prstGeom prst="rect">
             <a:avLst/>
@@ -5204,7 +5735,7 @@
     </p:spTree>
     <p:extLst>
       <p:ext uri="{BB962C8B-B14F-4D97-AF65-F5344CB8AC3E}">
-        <p14:creationId xmlns:p14="http://schemas.microsoft.com/office/powerpoint/2010/main" val="3954417281"/>
+        <p14:creationId xmlns:p14="http://schemas.microsoft.com/office/powerpoint/2010/main" val="79906420"/>
       </p:ext>
     </p:extLst>
   </p:cSld>
@@ -5236,7 +5767,7 @@
           <p:cNvPr id="2" name="Title 1">
             <a:extLst>
               <a:ext uri="{FF2B5EF4-FFF2-40B4-BE49-F238E27FC236}">
-                <a16:creationId xmlns:a16="http://schemas.microsoft.com/office/drawing/2014/main" id="{D89A593A-4C76-28A8-0491-1316F19D6357}"/>
+                <a16:creationId xmlns:a16="http://schemas.microsoft.com/office/drawing/2014/main" id="{61189723-46E3-F125-0565-35F6856F693B}"/>
               </a:ext>
             </a:extLst>
           </p:cNvPr>
@@ -5254,7 +5785,7 @@
           <a:p>
             <a:r>
               <a:rPr lang="en-US" dirty="0"/>
-              <a:t>2019 vs 2021</a:t>
+              <a:t>2018 vs 2021</a:t>
             </a:r>
             <a:endParaRPr lang="en-AU" dirty="0"/>
           </a:p>
@@ -5265,7 +5796,7 @@
           <p:cNvPr id="5" name="Picture 4">
             <a:extLst>
               <a:ext uri="{FF2B5EF4-FFF2-40B4-BE49-F238E27FC236}">
-                <a16:creationId xmlns:a16="http://schemas.microsoft.com/office/drawing/2014/main" id="{AF44B6EF-B10C-24C4-1609-5C718703958C}"/>
+                <a16:creationId xmlns:a16="http://schemas.microsoft.com/office/drawing/2014/main" id="{F0B1FA33-AFA3-4348-BBDE-398B38197093}"/>
               </a:ext>
             </a:extLst>
           </p:cNvPr>
@@ -5282,8 +5813,8 @@
         </p:blipFill>
         <p:spPr>
           <a:xfrm>
-            <a:off x="472101" y="1485582"/>
-            <a:ext cx="5660974" cy="4130358"/>
+            <a:off x="838200" y="2115230"/>
+            <a:ext cx="4769095" cy="3486329"/>
           </a:xfrm>
           <a:prstGeom prst="rect">
             <a:avLst/>
@@ -5295,7 +5826,7 @@
           <p:cNvPr id="7" name="Picture 6">
             <a:extLst>
               <a:ext uri="{FF2B5EF4-FFF2-40B4-BE49-F238E27FC236}">
-                <a16:creationId xmlns:a16="http://schemas.microsoft.com/office/drawing/2014/main" id="{F8417000-6DF0-B089-5E82-FDAEF470AB3D}"/>
+                <a16:creationId xmlns:a16="http://schemas.microsoft.com/office/drawing/2014/main" id="{C1341644-EE3B-E409-6A2B-A81F62FBC6FF}"/>
               </a:ext>
             </a:extLst>
           </p:cNvPr>
@@ -5312,8 +5843,8 @@
         </p:blipFill>
         <p:spPr>
           <a:xfrm>
-            <a:off x="6035818" y="1485582"/>
-            <a:ext cx="5955699" cy="4300894"/>
+            <a:off x="6096000" y="2115230"/>
+            <a:ext cx="4781796" cy="3543482"/>
           </a:xfrm>
           <a:prstGeom prst="rect">
             <a:avLst/>
@@ -5323,7 +5854,7 @@
     </p:spTree>
     <p:extLst>
       <p:ext uri="{BB962C8B-B14F-4D97-AF65-F5344CB8AC3E}">
-        <p14:creationId xmlns:p14="http://schemas.microsoft.com/office/powerpoint/2010/main" val="1506602941"/>
+        <p14:creationId xmlns:p14="http://schemas.microsoft.com/office/powerpoint/2010/main" val="3954417281"/>
       </p:ext>
     </p:extLst>
   </p:cSld>
@@ -5355,7 +5886,7 @@
           <p:cNvPr id="2" name="Title 1">
             <a:extLst>
               <a:ext uri="{FF2B5EF4-FFF2-40B4-BE49-F238E27FC236}">
-                <a16:creationId xmlns:a16="http://schemas.microsoft.com/office/drawing/2014/main" id="{FD835F94-E86C-2CCC-2A70-4A1D6BDDC0E6}"/>
+                <a16:creationId xmlns:a16="http://schemas.microsoft.com/office/drawing/2014/main" id="{D89A593A-4C76-28A8-0491-1316F19D6357}"/>
               </a:ext>
             </a:extLst>
           </p:cNvPr>
@@ -5373,7 +5904,7 @@
           <a:p>
             <a:r>
               <a:rPr lang="en-US" dirty="0"/>
-              <a:t>2020 vs 2021</a:t>
+              <a:t>2019 vs 2021</a:t>
             </a:r>
             <a:endParaRPr lang="en-AU" dirty="0"/>
           </a:p>
@@ -5384,7 +5915,7 @@
           <p:cNvPr id="5" name="Picture 4">
             <a:extLst>
               <a:ext uri="{FF2B5EF4-FFF2-40B4-BE49-F238E27FC236}">
-                <a16:creationId xmlns:a16="http://schemas.microsoft.com/office/drawing/2014/main" id="{AD355A83-A9B5-3402-C1ED-DD2502C5B706}"/>
+                <a16:creationId xmlns:a16="http://schemas.microsoft.com/office/drawing/2014/main" id="{AF44B6EF-B10C-24C4-1609-5C718703958C}"/>
               </a:ext>
             </a:extLst>
           </p:cNvPr>
@@ -5401,8 +5932,8 @@
         </p:blipFill>
         <p:spPr>
           <a:xfrm>
-            <a:off x="761243" y="1867445"/>
-            <a:ext cx="4756394" cy="3473629"/>
+            <a:off x="472101" y="1485582"/>
+            <a:ext cx="5660974" cy="4130358"/>
           </a:xfrm>
           <a:prstGeom prst="rect">
             <a:avLst/>
@@ -5414,7 +5945,7 @@
           <p:cNvPr id="7" name="Picture 6">
             <a:extLst>
               <a:ext uri="{FF2B5EF4-FFF2-40B4-BE49-F238E27FC236}">
-                <a16:creationId xmlns:a16="http://schemas.microsoft.com/office/drawing/2014/main" id="{03B6473E-0188-90DE-833B-A0DB722FC8A7}"/>
+                <a16:creationId xmlns:a16="http://schemas.microsoft.com/office/drawing/2014/main" id="{F8417000-6DF0-B089-5E82-FDAEF470AB3D}"/>
               </a:ext>
             </a:extLst>
           </p:cNvPr>
@@ -5431,8 +5962,8 @@
         </p:blipFill>
         <p:spPr>
           <a:xfrm>
-            <a:off x="5627885" y="1867445"/>
-            <a:ext cx="4654789" cy="3365673"/>
+            <a:off x="6035818" y="1485582"/>
+            <a:ext cx="5955699" cy="4300894"/>
           </a:xfrm>
           <a:prstGeom prst="rect">
             <a:avLst/>
@@ -5442,7 +5973,7 @@
     </p:spTree>
     <p:extLst>
       <p:ext uri="{BB962C8B-B14F-4D97-AF65-F5344CB8AC3E}">
-        <p14:creationId xmlns:p14="http://schemas.microsoft.com/office/powerpoint/2010/main" val="672434229"/>
+        <p14:creationId xmlns:p14="http://schemas.microsoft.com/office/powerpoint/2010/main" val="1506602941"/>
       </p:ext>
     </p:extLst>
   </p:cSld>
@@ -5474,7 +6005,7 @@
           <p:cNvPr id="2" name="Title 1">
             <a:extLst>
               <a:ext uri="{FF2B5EF4-FFF2-40B4-BE49-F238E27FC236}">
-                <a16:creationId xmlns:a16="http://schemas.microsoft.com/office/drawing/2014/main" id="{63DAEC9D-DDC5-1D93-CB4F-FE2D1C9BECAA}"/>
+                <a16:creationId xmlns:a16="http://schemas.microsoft.com/office/drawing/2014/main" id="{FD835F94-E86C-2CCC-2A70-4A1D6BDDC0E6}"/>
               </a:ext>
             </a:extLst>
           </p:cNvPr>
@@ -5487,25 +6018,23 @@
         </p:nvSpPr>
         <p:spPr/>
         <p:txBody>
-          <a:bodyPr>
-            <a:normAutofit/>
-          </a:bodyPr>
-          <a:lstStyle/>
-          <a:p>
-            <a:r>
-              <a:rPr lang="en-US" sz="4000" b="1" dirty="0"/>
-              <a:t>Job Vacancies by State</a:t>
-            </a:r>
-            <a:endParaRPr lang="en-AU" sz="4000" b="1" dirty="0"/>
+          <a:bodyPr/>
+          <a:lstStyle/>
+          <a:p>
+            <a:r>
+              <a:rPr lang="en-US" dirty="0"/>
+              <a:t>2020 vs 2021</a:t>
+            </a:r>
+            <a:endParaRPr lang="en-AU" dirty="0"/>
           </a:p>
         </p:txBody>
       </p:sp>
       <p:pic>
         <p:nvPicPr>
-          <p:cNvPr id="4" name="Picture 3">
-            <a:extLst>
-              <a:ext uri="{FF2B5EF4-FFF2-40B4-BE49-F238E27FC236}">
-                <a16:creationId xmlns:a16="http://schemas.microsoft.com/office/drawing/2014/main" id="{C6A452C2-6575-24B7-3F18-AAD0D2974E5F}"/>
+          <p:cNvPr id="5" name="Picture 4">
+            <a:extLst>
+              <a:ext uri="{FF2B5EF4-FFF2-40B4-BE49-F238E27FC236}">
+                <a16:creationId xmlns:a16="http://schemas.microsoft.com/office/drawing/2014/main" id="{AD355A83-A9B5-3402-C1ED-DD2502C5B706}"/>
               </a:ext>
             </a:extLst>
           </p:cNvPr>
@@ -5515,106 +6044,55 @@
           <p:nvPr/>
         </p:nvPicPr>
         <p:blipFill>
-          <a:blip r:embed="rId2">
-            <a:extLst>
-              <a:ext uri="{28A0092B-C50C-407E-A947-70E740481C1C}">
-                <a14:useLocalDpi xmlns:a14="http://schemas.microsoft.com/office/drawing/2010/main" val="0"/>
-              </a:ext>
-            </a:extLst>
-          </a:blip>
+          <a:blip r:embed="rId2"/>
           <a:stretch>
             <a:fillRect/>
           </a:stretch>
         </p:blipFill>
         <p:spPr>
           <a:xfrm>
-            <a:off x="2548696" y="2393396"/>
-            <a:ext cx="6696904" cy="4464604"/>
+            <a:off x="761243" y="1867445"/>
+            <a:ext cx="4756394" cy="3473629"/>
           </a:xfrm>
           <a:prstGeom prst="rect">
             <a:avLst/>
           </a:prstGeom>
         </p:spPr>
       </p:pic>
-      <p:sp>
-        <p:nvSpPr>
-          <p:cNvPr id="6" name="TextBox 5">
-            <a:extLst>
-              <a:ext uri="{FF2B5EF4-FFF2-40B4-BE49-F238E27FC236}">
-                <a16:creationId xmlns:a16="http://schemas.microsoft.com/office/drawing/2014/main" id="{4582FBEA-AD41-5DD8-3D79-9B83861E069E}"/>
-              </a:ext>
-            </a:extLst>
-          </p:cNvPr>
-          <p:cNvSpPr txBox="1"/>
+      <p:pic>
+        <p:nvPicPr>
+          <p:cNvPr id="7" name="Picture 6">
+            <a:extLst>
+              <a:ext uri="{FF2B5EF4-FFF2-40B4-BE49-F238E27FC236}">
+                <a16:creationId xmlns:a16="http://schemas.microsoft.com/office/drawing/2014/main" id="{03B6473E-0188-90DE-833B-A0DB722FC8A7}"/>
+              </a:ext>
+            </a:extLst>
+          </p:cNvPr>
+          <p:cNvPicPr>
+            <a:picLocks noChangeAspect="1"/>
+          </p:cNvPicPr>
           <p:nvPr/>
-        </p:nvSpPr>
+        </p:nvPicPr>
+        <p:blipFill>
+          <a:blip r:embed="rId3"/>
+          <a:stretch>
+            <a:fillRect/>
+          </a:stretch>
+        </p:blipFill>
         <p:spPr>
           <a:xfrm>
-            <a:off x="838200" y="1394555"/>
-            <a:ext cx="10515600" cy="1077218"/>
+            <a:off x="5627885" y="1867445"/>
+            <a:ext cx="4654789" cy="3365673"/>
           </a:xfrm>
           <a:prstGeom prst="rect">
             <a:avLst/>
           </a:prstGeom>
-          <a:noFill/>
-        </p:spPr>
-        <p:txBody>
-          <a:bodyPr wrap="square" rtlCol="0">
-            <a:spAutoFit/>
-          </a:bodyPr>
-          <a:lstStyle/>
-          <a:p>
-            <a:r>
-              <a:rPr lang="en-US" sz="1600" dirty="0"/>
-              <a:t>Data compiled by the </a:t>
-            </a:r>
-            <a:r>
-              <a:rPr lang="en-US" sz="1600" b="1" dirty="0"/>
-              <a:t>National Skills Commission </a:t>
-            </a:r>
-            <a:r>
-              <a:rPr lang="en-US" sz="1600" dirty="0"/>
-              <a:t>through job boards such as Seek, CareerOne and Australian </a:t>
-            </a:r>
-            <a:r>
-              <a:rPr lang="en-US" sz="1600" dirty="0" err="1"/>
-              <a:t>JobSearch</a:t>
-            </a:r>
-            <a:r>
-              <a:rPr lang="en-US" sz="1600" dirty="0"/>
-              <a:t> </a:t>
-            </a:r>
-            <a:r>
-              <a:rPr lang="en-US" sz="1600" i="1" dirty="0"/>
-              <a:t>(</a:t>
-            </a:r>
-            <a:r>
-              <a:rPr lang="en-US" sz="1600" i="1" dirty="0">
-                <a:hlinkClick r:id="rId3"/>
-              </a:rPr>
-              <a:t>https://labourmarketinsights.gov.au/our-research/internet-vacancy-index/#3</a:t>
-            </a:r>
-            <a:r>
-              <a:rPr lang="en-US" sz="1600" i="1" dirty="0"/>
-              <a:t>)</a:t>
-            </a:r>
-          </a:p>
-          <a:p>
-            <a:endParaRPr lang="en-US" sz="1600" i="1" dirty="0"/>
-          </a:p>
-          <a:p>
-            <a:r>
-              <a:rPr lang="en-US" sz="1600" dirty="0"/>
-              <a:t>Comparing the total vacancies between 2019 vs 2021, Western Australia had a growth of 59%.</a:t>
-            </a:r>
-            <a:endParaRPr lang="en-AU" sz="1600" dirty="0"/>
-          </a:p>
-        </p:txBody>
-      </p:sp>
+        </p:spPr>
+      </p:pic>
     </p:spTree>
     <p:extLst>
       <p:ext uri="{BB962C8B-B14F-4D97-AF65-F5344CB8AC3E}">
-        <p14:creationId xmlns:p14="http://schemas.microsoft.com/office/powerpoint/2010/main" val="589642860"/>
+        <p14:creationId xmlns:p14="http://schemas.microsoft.com/office/powerpoint/2010/main" val="672434229"/>
       </p:ext>
     </p:extLst>
   </p:cSld>
